--- a/Slides/Querying_with_T-SQL_-_05.pptx
+++ b/Slides/Querying_with_T-SQL_-_05.pptx
@@ -219,7 +219,7 @@
           <a:p>
             <a:fld id="{312E7B4A-039C-48A2-9B2C-AF16AA3873D8}" type="datetimeFigureOut">
               <a:rPr lang="en-US" smtClean="0"/>
-              <a:t>1/26/2015</a:t>
+              <a:t>4/22/2016</a:t>
             </a:fld>
             <a:endParaRPr lang="en-US"/>
           </a:p>
@@ -384,7 +384,7 @@
           <a:p>
             <a:fld id="{DA005A0C-54D9-45AA-87D4-C551D08DFCE1}" type="datetimeFigureOut">
               <a:rPr lang="en-US" smtClean="0"/>
-              <a:t>1/26/2015</a:t>
+              <a:t>4/22/2016</a:t>
             </a:fld>
             <a:endParaRPr lang="en-US"/>
           </a:p>
@@ -448,38 +448,37 @@
           <a:p>
             <a:pPr lvl="0"/>
             <a:r>
-              <a:rPr lang="en-US" smtClean="0"/>
+              <a:rPr lang="en-US"/>
               <a:t>Click to edit Master text styles</a:t>
             </a:r>
           </a:p>
           <a:p>
             <a:pPr lvl="1"/>
             <a:r>
-              <a:rPr lang="en-US" smtClean="0"/>
+              <a:rPr lang="en-US"/>
               <a:t>Second level</a:t>
             </a:r>
           </a:p>
           <a:p>
             <a:pPr lvl="2"/>
             <a:r>
-              <a:rPr lang="en-US" smtClean="0"/>
+              <a:rPr lang="en-US"/>
               <a:t>Third level</a:t>
             </a:r>
           </a:p>
           <a:p>
             <a:pPr lvl="3"/>
             <a:r>
-              <a:rPr lang="en-US" smtClean="0"/>
+              <a:rPr lang="en-US"/>
               <a:t>Fourth level</a:t>
             </a:r>
           </a:p>
           <a:p>
             <a:pPr lvl="4"/>
             <a:r>
-              <a:rPr lang="en-US" smtClean="0"/>
+              <a:rPr lang="en-US"/>
               <a:t>Fifth level</a:t>
             </a:r>
-            <a:endParaRPr lang="en-US"/>
           </a:p>
         </p:txBody>
       </p:sp>
@@ -875,7 +874,7 @@
               <a:buChar char="•"/>
             </a:pPr>
             <a:r>
-              <a:rPr lang="en-GB" sz="1200" kern="1200" dirty="0" smtClean="0">
+              <a:rPr lang="en-GB" sz="1200" kern="1200" dirty="0">
                 <a:solidFill>
                   <a:schemeClr val="tx1"/>
                 </a:solidFill>
@@ -886,7 +885,7 @@
               <a:t>SELECT </a:t>
             </a:r>
             <a:r>
-              <a:rPr lang="en-GB" sz="1200" kern="1200" dirty="0" err="1" smtClean="0">
+              <a:rPr lang="en-GB" sz="1200" kern="1200" dirty="0" err="1">
                 <a:solidFill>
                   <a:schemeClr val="tx1"/>
                 </a:solidFill>
@@ -897,7 +896,7 @@
               <a:t>Color</a:t>
             </a:r>
             <a:r>
-              <a:rPr lang="en-GB" sz="1200" kern="1200" dirty="0" smtClean="0">
+              <a:rPr lang="en-GB" sz="1200" kern="1200" dirty="0">
                 <a:solidFill>
                   <a:schemeClr val="tx1"/>
                 </a:solidFill>
@@ -908,7 +907,7 @@
               <a:t> FROM </a:t>
             </a:r>
             <a:r>
-              <a:rPr lang="en-GB" sz="1200" kern="1200" dirty="0" err="1" smtClean="0">
+              <a:rPr lang="en-GB" sz="1200" kern="1200" dirty="0" err="1">
                 <a:solidFill>
                   <a:schemeClr val="tx1"/>
                 </a:solidFill>
@@ -919,7 +918,7 @@
               <a:t>SalesLT.Product</a:t>
             </a:r>
             <a:r>
-              <a:rPr lang="en-GB" sz="1200" kern="1200" dirty="0" smtClean="0">
+              <a:rPr lang="en-GB" sz="1200" kern="1200" dirty="0">
                 <a:solidFill>
                   <a:schemeClr val="tx1"/>
                 </a:solidFill>
@@ -936,7 +935,7 @@
               <a:buChar char="•"/>
             </a:pPr>
             <a:r>
-              <a:rPr lang="en-GB" sz="1200" kern="1200" dirty="0" smtClean="0">
+              <a:rPr lang="en-GB" sz="1200" kern="1200" dirty="0">
                 <a:solidFill>
                   <a:schemeClr val="tx1"/>
                 </a:solidFill>
@@ -947,7 +946,7 @@
               <a:t>SELECT DISTINCT ISNULL(</a:t>
             </a:r>
             <a:r>
-              <a:rPr lang="en-GB" sz="1200" kern="1200" dirty="0" err="1" smtClean="0">
+              <a:rPr lang="en-GB" sz="1200" kern="1200" dirty="0" err="1">
                 <a:solidFill>
                   <a:schemeClr val="tx1"/>
                 </a:solidFill>
@@ -958,7 +957,7 @@
               <a:t>Color</a:t>
             </a:r>
             <a:r>
-              <a:rPr lang="en-GB" sz="1200" kern="1200" dirty="0" smtClean="0">
+              <a:rPr lang="en-GB" sz="1200" kern="1200" dirty="0">
                 <a:solidFill>
                   <a:schemeClr val="tx1"/>
                 </a:solidFill>
@@ -969,7 +968,7 @@
               <a:t>, 'None') AS </a:t>
             </a:r>
             <a:r>
-              <a:rPr lang="en-GB" sz="1200" kern="1200" dirty="0" err="1" smtClean="0">
+              <a:rPr lang="en-GB" sz="1200" kern="1200" dirty="0" err="1">
                 <a:solidFill>
                   <a:schemeClr val="tx1"/>
                 </a:solidFill>
@@ -980,7 +979,7 @@
               <a:t>Color</a:t>
             </a:r>
             <a:r>
-              <a:rPr lang="en-GB" sz="1200" kern="1200" dirty="0" smtClean="0">
+              <a:rPr lang="en-GB" sz="1200" kern="1200" dirty="0">
                 <a:solidFill>
                   <a:schemeClr val="tx1"/>
                 </a:solidFill>
@@ -991,7 +990,7 @@
               <a:t> FROM </a:t>
             </a:r>
             <a:r>
-              <a:rPr lang="en-GB" sz="1200" kern="1200" dirty="0" err="1" smtClean="0">
+              <a:rPr lang="en-GB" sz="1200" kern="1200" dirty="0" err="1">
                 <a:solidFill>
                   <a:schemeClr val="tx1"/>
                 </a:solidFill>
@@ -1002,7 +1001,7 @@
               <a:t>SalesLT.Product</a:t>
             </a:r>
             <a:r>
-              <a:rPr lang="en-GB" sz="1200" kern="1200" dirty="0" smtClean="0">
+              <a:rPr lang="en-GB" sz="1200" kern="1200" dirty="0">
                 <a:solidFill>
                   <a:schemeClr val="tx1"/>
                 </a:solidFill>
@@ -1019,7 +1018,7 @@
               <a:buChar char="•"/>
             </a:pPr>
             <a:r>
-              <a:rPr lang="en-GB" sz="1200" kern="1200" dirty="0" smtClean="0">
+              <a:rPr lang="en-GB" sz="1200" kern="1200" dirty="0">
                 <a:solidFill>
                   <a:schemeClr val="tx1"/>
                 </a:solidFill>
@@ -1030,7 +1029,7 @@
               <a:t>SELECT DISTINCT ISNULL(</a:t>
             </a:r>
             <a:r>
-              <a:rPr lang="en-GB" sz="1200" kern="1200" dirty="0" err="1" smtClean="0">
+              <a:rPr lang="en-GB" sz="1200" kern="1200" dirty="0" err="1">
                 <a:solidFill>
                   <a:schemeClr val="tx1"/>
                 </a:solidFill>
@@ -1041,7 +1040,7 @@
               <a:t>Color</a:t>
             </a:r>
             <a:r>
-              <a:rPr lang="en-GB" sz="1200" kern="1200" dirty="0" smtClean="0">
+              <a:rPr lang="en-GB" sz="1200" kern="1200" dirty="0">
                 <a:solidFill>
                   <a:schemeClr val="tx1"/>
                 </a:solidFill>
@@ -1052,7 +1051,7 @@
               <a:t>, 'None') AS </a:t>
             </a:r>
             <a:r>
-              <a:rPr lang="en-GB" sz="1200" kern="1200" dirty="0" err="1" smtClean="0">
+              <a:rPr lang="en-GB" sz="1200" kern="1200" dirty="0" err="1">
                 <a:solidFill>
                   <a:schemeClr val="tx1"/>
                 </a:solidFill>
@@ -1063,7 +1062,7 @@
               <a:t>Color</a:t>
             </a:r>
             <a:r>
-              <a:rPr lang="en-GB" sz="1200" kern="1200" dirty="0" smtClean="0">
+              <a:rPr lang="en-GB" sz="1200" kern="1200" dirty="0">
                 <a:solidFill>
                   <a:schemeClr val="tx1"/>
                 </a:solidFill>
@@ -1074,7 +1073,7 @@
               <a:t> FROM </a:t>
             </a:r>
             <a:r>
-              <a:rPr lang="en-GB" sz="1200" kern="1200" dirty="0" err="1" smtClean="0">
+              <a:rPr lang="en-GB" sz="1200" kern="1200" dirty="0" err="1">
                 <a:solidFill>
                   <a:schemeClr val="tx1"/>
                 </a:solidFill>
@@ -1085,7 +1084,7 @@
               <a:t>SalesLT.Product</a:t>
             </a:r>
             <a:r>
-              <a:rPr lang="en-GB" sz="1200" kern="1200" dirty="0" smtClean="0">
+              <a:rPr lang="en-GB" sz="1200" kern="1200" dirty="0">
                 <a:solidFill>
                   <a:schemeClr val="tx1"/>
                 </a:solidFill>
@@ -1096,7 +1095,7 @@
               <a:t> ORDER BY </a:t>
             </a:r>
             <a:r>
-              <a:rPr lang="en-GB" sz="1200" kern="1200" dirty="0" err="1" smtClean="0">
+              <a:rPr lang="en-GB" sz="1200" kern="1200" dirty="0" err="1">
                 <a:solidFill>
                   <a:schemeClr val="tx1"/>
                 </a:solidFill>
@@ -1107,7 +1106,7 @@
               <a:t>Color</a:t>
             </a:r>
             <a:r>
-              <a:rPr lang="en-GB" sz="1200" kern="1200" dirty="0" smtClean="0">
+              <a:rPr lang="en-GB" sz="1200" kern="1200" dirty="0">
                 <a:solidFill>
                   <a:schemeClr val="tx1"/>
                 </a:solidFill>
@@ -1124,7 +1123,7 @@
               <a:buChar char="•"/>
             </a:pPr>
             <a:r>
-              <a:rPr lang="en-GB" sz="1200" kern="1200" dirty="0" smtClean="0">
+              <a:rPr lang="en-GB" sz="1200" kern="1200" dirty="0">
                 <a:solidFill>
                   <a:schemeClr val="tx1"/>
                 </a:solidFill>
@@ -1135,7 +1134,7 @@
               <a:t>SELECT DISTINCT ISNULL(</a:t>
             </a:r>
             <a:r>
-              <a:rPr lang="en-GB" sz="1200" kern="1200" dirty="0" err="1" smtClean="0">
+              <a:rPr lang="en-GB" sz="1200" kern="1200" dirty="0" err="1">
                 <a:solidFill>
                   <a:schemeClr val="tx1"/>
                 </a:solidFill>
@@ -1146,7 +1145,7 @@
               <a:t>Color</a:t>
             </a:r>
             <a:r>
-              <a:rPr lang="en-GB" sz="1200" kern="1200" dirty="0" smtClean="0">
+              <a:rPr lang="en-GB" sz="1200" kern="1200" dirty="0">
                 <a:solidFill>
                   <a:schemeClr val="tx1"/>
                 </a:solidFill>
@@ -1157,7 +1156,7 @@
               <a:t>, 'None') AS </a:t>
             </a:r>
             <a:r>
-              <a:rPr lang="en-GB" sz="1200" kern="1200" dirty="0" err="1" smtClean="0">
+              <a:rPr lang="en-GB" sz="1200" kern="1200" dirty="0" err="1">
                 <a:solidFill>
                   <a:schemeClr val="tx1"/>
                 </a:solidFill>
@@ -1168,7 +1167,7 @@
               <a:t>Color</a:t>
             </a:r>
             <a:r>
-              <a:rPr lang="en-GB" sz="1200" kern="1200" dirty="0" smtClean="0">
+              <a:rPr lang="en-GB" sz="1200" kern="1200" dirty="0">
                 <a:solidFill>
                   <a:schemeClr val="tx1"/>
                 </a:solidFill>
@@ -1179,7 +1178,7 @@
               <a:t>, ISNULL(Size, '-') AS Size FROM </a:t>
             </a:r>
             <a:r>
-              <a:rPr lang="en-GB" sz="1200" kern="1200" dirty="0" err="1" smtClean="0">
+              <a:rPr lang="en-GB" sz="1200" kern="1200" dirty="0" err="1">
                 <a:solidFill>
                   <a:schemeClr val="tx1"/>
                 </a:solidFill>
@@ -1190,7 +1189,7 @@
               <a:t>SalesLT.Product</a:t>
             </a:r>
             <a:r>
-              <a:rPr lang="en-GB" sz="1200" kern="1200" dirty="0" smtClean="0">
+              <a:rPr lang="en-GB" sz="1200" kern="1200" dirty="0">
                 <a:solidFill>
                   <a:schemeClr val="tx1"/>
                 </a:solidFill>
@@ -1201,7 +1200,7 @@
               <a:t> ORDER BY </a:t>
             </a:r>
             <a:r>
-              <a:rPr lang="en-GB" sz="1200" kern="1200" dirty="0" err="1" smtClean="0">
+              <a:rPr lang="en-GB" sz="1200" kern="1200" dirty="0" err="1">
                 <a:solidFill>
                   <a:schemeClr val="tx1"/>
                 </a:solidFill>
@@ -1212,7 +1211,7 @@
               <a:t>Color</a:t>
             </a:r>
             <a:r>
-              <a:rPr lang="en-GB" sz="1200" kern="1200" dirty="0" smtClean="0">
+              <a:rPr lang="en-GB" sz="1200" kern="1200" dirty="0">
                 <a:solidFill>
                   <a:schemeClr val="tx1"/>
                 </a:solidFill>
@@ -1229,7 +1228,7 @@
               <a:buChar char="•"/>
             </a:pPr>
             <a:r>
-              <a:rPr lang="en-GB" sz="1200" kern="1200" dirty="0" smtClean="0">
+              <a:rPr lang="en-GB" sz="1200" kern="1200" dirty="0">
                 <a:solidFill>
                   <a:schemeClr val="tx1"/>
                 </a:solidFill>
@@ -1240,7 +1239,7 @@
               <a:t>SELECT TOP 100 Name, </a:t>
             </a:r>
             <a:r>
-              <a:rPr lang="en-GB" sz="1200" kern="1200" dirty="0" err="1" smtClean="0">
+              <a:rPr lang="en-GB" sz="1200" kern="1200" dirty="0" err="1">
                 <a:solidFill>
                   <a:schemeClr val="tx1"/>
                 </a:solidFill>
@@ -1251,7 +1250,7 @@
               <a:t>ListPrice</a:t>
             </a:r>
             <a:r>
-              <a:rPr lang="en-GB" sz="1200" kern="1200" dirty="0" smtClean="0">
+              <a:rPr lang="en-GB" sz="1200" kern="1200" dirty="0">
                 <a:solidFill>
                   <a:schemeClr val="tx1"/>
                 </a:solidFill>
@@ -1262,7 +1261,7 @@
               <a:t> FROM </a:t>
             </a:r>
             <a:r>
-              <a:rPr lang="en-GB" sz="1200" kern="1200" dirty="0" err="1" smtClean="0">
+              <a:rPr lang="en-GB" sz="1200" kern="1200" dirty="0" err="1">
                 <a:solidFill>
                   <a:schemeClr val="tx1"/>
                 </a:solidFill>
@@ -1273,7 +1272,7 @@
               <a:t>SalesLT.Product</a:t>
             </a:r>
             <a:r>
-              <a:rPr lang="en-GB" sz="1200" kern="1200" dirty="0" smtClean="0">
+              <a:rPr lang="en-GB" sz="1200" kern="1200" dirty="0">
                 <a:solidFill>
                   <a:schemeClr val="tx1"/>
                 </a:solidFill>
@@ -1284,7 +1283,7 @@
               <a:t> ORDER BY </a:t>
             </a:r>
             <a:r>
-              <a:rPr lang="en-GB" sz="1200" kern="1200" dirty="0" err="1" smtClean="0">
+              <a:rPr lang="en-GB" sz="1200" kern="1200" dirty="0" err="1">
                 <a:solidFill>
                   <a:schemeClr val="tx1"/>
                 </a:solidFill>
@@ -1295,7 +1294,7 @@
               <a:t>ListPrice</a:t>
             </a:r>
             <a:r>
-              <a:rPr lang="en-GB" sz="1200" kern="1200" dirty="0" smtClean="0">
+              <a:rPr lang="en-GB" sz="1200" kern="1200" dirty="0">
                 <a:solidFill>
                   <a:schemeClr val="tx1"/>
                 </a:solidFill>
@@ -1312,7 +1311,7 @@
               <a:buChar char="•"/>
             </a:pPr>
             <a:r>
-              <a:rPr lang="en-GB" sz="1200" kern="1200" dirty="0" smtClean="0">
+              <a:rPr lang="en-GB" sz="1200" kern="1200" dirty="0">
                 <a:solidFill>
                   <a:schemeClr val="tx1"/>
                 </a:solidFill>
@@ -1323,7 +1322,7 @@
               <a:t>SELECT Name, </a:t>
             </a:r>
             <a:r>
-              <a:rPr lang="en-GB" sz="1200" kern="1200" dirty="0" err="1" smtClean="0">
+              <a:rPr lang="en-GB" sz="1200" kern="1200" dirty="0" err="1">
                 <a:solidFill>
                   <a:schemeClr val="tx1"/>
                 </a:solidFill>
@@ -1334,7 +1333,7 @@
               <a:t>ListPrice</a:t>
             </a:r>
             <a:r>
-              <a:rPr lang="en-GB" sz="1200" kern="1200" dirty="0" smtClean="0">
+              <a:rPr lang="en-GB" sz="1200" kern="1200" dirty="0">
                 <a:solidFill>
                   <a:schemeClr val="tx1"/>
                 </a:solidFill>
@@ -1345,7 +1344,7 @@
               <a:t> FROM </a:t>
             </a:r>
             <a:r>
-              <a:rPr lang="en-GB" sz="1200" kern="1200" dirty="0" err="1" smtClean="0">
+              <a:rPr lang="en-GB" sz="1200" kern="1200" dirty="0" err="1">
                 <a:solidFill>
                   <a:schemeClr val="tx1"/>
                 </a:solidFill>
@@ -1356,7 +1355,7 @@
               <a:t>SalesLT.Product</a:t>
             </a:r>
             <a:r>
-              <a:rPr lang="en-GB" sz="1200" kern="1200" dirty="0" smtClean="0">
+              <a:rPr lang="en-GB" sz="1200" kern="1200" dirty="0">
                 <a:solidFill>
                   <a:schemeClr val="tx1"/>
                 </a:solidFill>
@@ -1367,7 +1366,7 @@
               <a:t> ORDER BY </a:t>
             </a:r>
             <a:r>
-              <a:rPr lang="en-GB" sz="1200" kern="1200" dirty="0" err="1" smtClean="0">
+              <a:rPr lang="en-GB" sz="1200" kern="1200" dirty="0" err="1">
                 <a:solidFill>
                   <a:schemeClr val="tx1"/>
                 </a:solidFill>
@@ -1378,7 +1377,7 @@
               <a:t>ProductNumber</a:t>
             </a:r>
             <a:r>
-              <a:rPr lang="en-GB" sz="1200" kern="1200" dirty="0" smtClean="0">
+              <a:rPr lang="en-GB" sz="1200" kern="1200" dirty="0">
                 <a:solidFill>
                   <a:schemeClr val="tx1"/>
                 </a:solidFill>
@@ -1395,7 +1394,7 @@
               <a:buChar char="•"/>
             </a:pPr>
             <a:r>
-              <a:rPr lang="en-GB" sz="1200" kern="1200" dirty="0" smtClean="0">
+              <a:rPr lang="en-GB" sz="1200" kern="1200" dirty="0">
                 <a:solidFill>
                   <a:schemeClr val="tx1"/>
                 </a:solidFill>
@@ -1406,7 +1405,7 @@
               <a:t>SELECT Name, </a:t>
             </a:r>
             <a:r>
-              <a:rPr lang="en-GB" sz="1200" kern="1200" dirty="0" err="1" smtClean="0">
+              <a:rPr lang="en-GB" sz="1200" kern="1200" dirty="0" err="1">
                 <a:solidFill>
                   <a:schemeClr val="tx1"/>
                 </a:solidFill>
@@ -1417,7 +1416,7 @@
               <a:t>ListPrice</a:t>
             </a:r>
             <a:r>
-              <a:rPr lang="en-GB" sz="1200" kern="1200" dirty="0" smtClean="0">
+              <a:rPr lang="en-GB" sz="1200" kern="1200" dirty="0">
                 <a:solidFill>
                   <a:schemeClr val="tx1"/>
                 </a:solidFill>
@@ -1428,7 +1427,7 @@
               <a:t> FROM </a:t>
             </a:r>
             <a:r>
-              <a:rPr lang="en-GB" sz="1200" kern="1200" dirty="0" err="1" smtClean="0">
+              <a:rPr lang="en-GB" sz="1200" kern="1200" dirty="0" err="1">
                 <a:solidFill>
                   <a:schemeClr val="tx1"/>
                 </a:solidFill>
@@ -1439,7 +1438,7 @@
               <a:t>SalesLT.Product</a:t>
             </a:r>
             <a:r>
-              <a:rPr lang="en-GB" sz="1200" kern="1200" dirty="0" smtClean="0">
+              <a:rPr lang="en-GB" sz="1200" kern="1200" dirty="0">
                 <a:solidFill>
                   <a:schemeClr val="tx1"/>
                 </a:solidFill>
@@ -1450,7 +1449,7 @@
               <a:t> ORDER BY </a:t>
             </a:r>
             <a:r>
-              <a:rPr lang="en-GB" sz="1200" kern="1200" dirty="0" err="1" smtClean="0">
+              <a:rPr lang="en-GB" sz="1200" kern="1200" dirty="0" err="1">
                 <a:solidFill>
                   <a:schemeClr val="tx1"/>
                 </a:solidFill>
@@ -1461,7 +1460,7 @@
               <a:t>ProductNumber</a:t>
             </a:r>
             <a:r>
-              <a:rPr lang="en-GB" sz="1200" kern="1200" dirty="0" smtClean="0">
+              <a:rPr lang="en-GB" sz="1200" kern="1200" dirty="0">
                 <a:solidFill>
                   <a:schemeClr val="tx1"/>
                 </a:solidFill>
@@ -1473,7 +1472,7 @@
             </a:r>
           </a:p>
           <a:p>
-            <a:endParaRPr lang="en-GB" sz="1200" kern="1200" dirty="0" smtClean="0">
+            <a:endParaRPr lang="en-GB" sz="1200" kern="1200" dirty="0">
               <a:solidFill>
                 <a:schemeClr val="tx1"/>
               </a:solidFill>
@@ -1487,7 +1486,7 @@
               <a:buFont typeface="Arial" panose="020B0604020202020204" pitchFamily="34" charset="0"/>
               <a:buChar char="•"/>
             </a:pPr>
-            <a:endParaRPr lang="en-GB" sz="1200" kern="1200" dirty="0" smtClean="0">
+            <a:endParaRPr lang="en-GB" sz="1200" kern="1200" dirty="0">
               <a:solidFill>
                 <a:schemeClr val="tx1"/>
               </a:solidFill>
@@ -1765,7 +1764,7 @@
           <a:bodyPr/>
           <a:lstStyle/>
           <a:p>
-            <a:endParaRPr lang="en-GB" sz="1200" kern="1200" dirty="0" smtClean="0">
+            <a:endParaRPr lang="en-GB" sz="1200" kern="1200" dirty="0">
               <a:solidFill>
                 <a:schemeClr val="tx1"/>
               </a:solidFill>
@@ -1779,7 +1778,7 @@
               <a:buFont typeface="Arial" panose="020B0604020202020204" pitchFamily="34" charset="0"/>
               <a:buChar char="•"/>
             </a:pPr>
-            <a:endParaRPr lang="en-GB" sz="1200" kern="1200" dirty="0" smtClean="0">
+            <a:endParaRPr lang="en-GB" sz="1200" kern="1200" dirty="0">
               <a:solidFill>
                 <a:schemeClr val="tx1"/>
               </a:solidFill>
@@ -1957,7 +1956,7 @@
           <a:bodyPr/>
           <a:lstStyle/>
           <a:p>
-            <a:endParaRPr lang="en-GB" sz="1200" kern="1200" dirty="0" smtClean="0">
+            <a:endParaRPr lang="en-GB" sz="1200" kern="1200" dirty="0">
               <a:solidFill>
                 <a:schemeClr val="tx1"/>
               </a:solidFill>
@@ -1971,7 +1970,7 @@
               <a:buFont typeface="Arial" panose="020B0604020202020204" pitchFamily="34" charset="0"/>
               <a:buChar char="•"/>
             </a:pPr>
-            <a:endParaRPr lang="en-GB" sz="1200" kern="1200" dirty="0" smtClean="0">
+            <a:endParaRPr lang="en-GB" sz="1200" kern="1200" dirty="0">
               <a:solidFill>
                 <a:schemeClr val="tx1"/>
               </a:solidFill>
@@ -2065,7 +2064,7 @@
           <a:bodyPr/>
           <a:lstStyle/>
           <a:p>
-            <a:endParaRPr lang="en-GB" sz="1200" kern="1200" dirty="0" smtClean="0">
+            <a:endParaRPr lang="en-GB" sz="1200" kern="1200" dirty="0">
               <a:solidFill>
                 <a:schemeClr val="tx1"/>
               </a:solidFill>
@@ -2079,7 +2078,7 @@
               <a:buFont typeface="Arial" panose="020B0604020202020204" pitchFamily="34" charset="0"/>
               <a:buChar char="•"/>
             </a:pPr>
-            <a:endParaRPr lang="en-GB" sz="1200" kern="1200" dirty="0" smtClean="0">
+            <a:endParaRPr lang="en-GB" sz="1200" kern="1200" dirty="0">
               <a:solidFill>
                 <a:schemeClr val="tx1"/>
               </a:solidFill>
@@ -2174,7 +2173,7 @@
           <a:lstStyle/>
           <a:p>
             <a:r>
-              <a:rPr lang="en-GB" dirty="0" smtClean="0"/>
+              <a:rPr lang="en-GB" dirty="0"/>
               <a:t>Common:</a:t>
             </a:r>
           </a:p>
@@ -2191,7 +2190,7 @@
               <a:defRPr/>
             </a:pPr>
             <a:r>
-              <a:rPr lang="en-US" sz="1200" dirty="0" smtClean="0">
+              <a:rPr lang="en-US" sz="1200" dirty="0">
                 <a:solidFill>
                   <a:srgbClr val="000000"/>
                 </a:solidFill>
@@ -2214,7 +2213,7 @@
               <a:defRPr/>
             </a:pPr>
             <a:r>
-              <a:rPr lang="en-US" sz="1200" dirty="0" smtClean="0">
+              <a:rPr lang="en-US" sz="1200" dirty="0">
                 <a:solidFill>
                   <a:srgbClr val="000000"/>
                 </a:solidFill>
@@ -2237,7 +2236,7 @@
               <a:defRPr/>
             </a:pPr>
             <a:r>
-              <a:rPr lang="en-US" sz="1200" dirty="0" smtClean="0">
+              <a:rPr lang="en-US" sz="1200" dirty="0">
                 <a:solidFill>
                   <a:srgbClr val="000000"/>
                 </a:solidFill>
@@ -2260,7 +2259,7 @@
               <a:defRPr/>
             </a:pPr>
             <a:r>
-              <a:rPr lang="en-US" sz="1200" dirty="0" smtClean="0">
+              <a:rPr lang="en-US" sz="1200" dirty="0">
                 <a:solidFill>
                   <a:srgbClr val="000000"/>
                 </a:solidFill>
@@ -2283,7 +2282,7 @@
               <a:defRPr/>
             </a:pPr>
             <a:r>
-              <a:rPr lang="en-US" sz="1200" dirty="0" smtClean="0">
+              <a:rPr lang="en-US" sz="1200" dirty="0">
                 <a:solidFill>
                   <a:srgbClr val="000000"/>
                 </a:solidFill>
@@ -2306,7 +2305,7 @@
               <a:defRPr/>
             </a:pPr>
             <a:r>
-              <a:rPr lang="en-US" sz="1200" dirty="0" smtClean="0">
+              <a:rPr lang="en-US" sz="1200" dirty="0">
                 <a:solidFill>
                   <a:srgbClr val="000000"/>
                 </a:solidFill>
@@ -2318,7 +2317,7 @@
           </a:p>
           <a:p>
             <a:r>
-              <a:rPr lang="en-GB" dirty="0" smtClean="0"/>
+              <a:rPr lang="en-GB" dirty="0"/>
               <a:t>Statistical:</a:t>
             </a:r>
           </a:p>
@@ -2335,7 +2334,7 @@
               <a:defRPr/>
             </a:pPr>
             <a:r>
-              <a:rPr lang="en-US" sz="1200" dirty="0" smtClean="0">
+              <a:rPr lang="en-US" sz="1200" dirty="0">
                 <a:solidFill>
                   <a:srgbClr val="000000"/>
                 </a:solidFill>
@@ -2358,7 +2357,7 @@
               <a:defRPr/>
             </a:pPr>
             <a:r>
-              <a:rPr lang="en-US" sz="1200" dirty="0" smtClean="0">
+              <a:rPr lang="en-US" sz="1200" dirty="0">
                 <a:solidFill>
                   <a:srgbClr val="000000"/>
                 </a:solidFill>
@@ -2381,7 +2380,7 @@
               <a:defRPr/>
             </a:pPr>
             <a:r>
-              <a:rPr lang="en-US" sz="1200" dirty="0" smtClean="0">
+              <a:rPr lang="en-US" sz="1200" dirty="0">
                 <a:solidFill>
                   <a:srgbClr val="000000"/>
                 </a:solidFill>
@@ -2404,7 +2403,7 @@
               <a:defRPr/>
             </a:pPr>
             <a:r>
-              <a:rPr lang="en-US" sz="1200" dirty="0" smtClean="0">
+              <a:rPr lang="en-US" sz="1200" dirty="0">
                 <a:solidFill>
                   <a:srgbClr val="000000"/>
                 </a:solidFill>
@@ -2427,7 +2426,7 @@
               <a:defRPr/>
             </a:pPr>
             <a:r>
-              <a:rPr lang="en-US" sz="1200" dirty="0" smtClean="0">
+              <a:rPr lang="en-US" sz="1200" dirty="0">
                 <a:solidFill>
                   <a:srgbClr val="000000"/>
                 </a:solidFill>
@@ -2449,7 +2448,7 @@
               <a:buChar char="•"/>
             </a:pPr>
             <a:r>
-              <a:rPr lang="en-US" sz="1200" dirty="0" smtClean="0">
+              <a:rPr lang="en-US" sz="1200" dirty="0">
                 <a:solidFill>
                   <a:srgbClr val="000000"/>
                 </a:solidFill>
@@ -2471,7 +2470,7 @@
               <a:buChar char="•"/>
             </a:pPr>
             <a:r>
-              <a:rPr lang="en-US" sz="1200" dirty="0" smtClean="0">
+              <a:rPr lang="en-US" sz="1200" dirty="0">
                 <a:solidFill>
                   <a:srgbClr val="000000"/>
                 </a:solidFill>
@@ -2493,7 +2492,7 @@
               <a:buChar char="•"/>
             </a:pPr>
             <a:r>
-              <a:rPr lang="en-US" sz="1200" dirty="0" smtClean="0">
+              <a:rPr lang="en-US" sz="1200" dirty="0">
                 <a:solidFill>
                   <a:srgbClr val="000000"/>
                 </a:solidFill>
@@ -2515,7 +2514,7 @@
               <a:buChar char="•"/>
               <a:defRPr/>
             </a:pPr>
-            <a:endParaRPr lang="en-US" sz="1200" dirty="0" smtClean="0">
+            <a:endParaRPr lang="en-US" sz="1200" dirty="0">
               <a:solidFill>
                 <a:srgbClr val="000000"/>
               </a:solidFill>
@@ -2608,7 +2607,7 @@
           <a:bodyPr/>
           <a:lstStyle/>
           <a:p>
-            <a:endParaRPr lang="en-GB" sz="1200" kern="1200" dirty="0" smtClean="0">
+            <a:endParaRPr lang="en-GB" sz="1200" kern="1200" dirty="0">
               <a:solidFill>
                 <a:schemeClr val="tx1"/>
               </a:solidFill>
@@ -2622,7 +2621,7 @@
               <a:buFont typeface="Arial" panose="020B0604020202020204" pitchFamily="34" charset="0"/>
               <a:buChar char="•"/>
             </a:pPr>
-            <a:endParaRPr lang="en-GB" sz="1200" kern="1200" dirty="0" smtClean="0">
+            <a:endParaRPr lang="en-GB" sz="1200" kern="1200" dirty="0">
               <a:solidFill>
                 <a:schemeClr val="tx1"/>
               </a:solidFill>
@@ -2716,7 +2715,7 @@
           <a:bodyPr/>
           <a:lstStyle/>
           <a:p>
-            <a:endParaRPr lang="en-GB" sz="1200" kern="1200" dirty="0" smtClean="0">
+            <a:endParaRPr lang="en-GB" sz="1200" kern="1200" dirty="0">
               <a:solidFill>
                 <a:schemeClr val="tx1"/>
               </a:solidFill>
@@ -2730,7 +2729,7 @@
               <a:buFont typeface="Arial" panose="020B0604020202020204" pitchFamily="34" charset="0"/>
               <a:buChar char="•"/>
             </a:pPr>
-            <a:endParaRPr lang="en-GB" sz="1200" kern="1200" dirty="0" smtClean="0">
+            <a:endParaRPr lang="en-GB" sz="1200" kern="1200" dirty="0">
               <a:solidFill>
                 <a:schemeClr val="tx1"/>
               </a:solidFill>
@@ -2923,7 +2922,7 @@
           </a:lstStyle>
           <a:p>
             <a:r>
-              <a:rPr lang="en-US" smtClean="0"/>
+              <a:rPr lang="en-US"/>
               <a:t>Click to edit Master subtitle style</a:t>
             </a:r>
             <a:endParaRPr lang="en-US" dirty="0"/>
@@ -2981,10 +2980,9 @@
           <a:p>
             <a:pPr lvl="0"/>
             <a:r>
-              <a:rPr lang="en-US" dirty="0" smtClean="0"/>
+              <a:rPr lang="en-US" dirty="0"/>
               <a:t>Course title style</a:t>
             </a:r>
-            <a:endParaRPr lang="en-US" dirty="0"/>
           </a:p>
         </p:txBody>
       </p:sp>
@@ -3100,13 +3098,6 @@
   <p:clrMapOvr>
     <a:masterClrMapping/>
   </p:clrMapOvr>
-  <p:timing>
-    <p:tnLst>
-      <p:par>
-        <p:cTn id="1" dur="indefinite" restart="never" nodeType="tmRoot"/>
-      </p:par>
-    </p:tnLst>
-  </p:timing>
   <p:extLst mod="1">
     <p:ext uri="{DCECCB84-F9BA-43D5-87BE-67443E8EF086}">
       <p15:sldGuideLst xmlns:p15="http://schemas.microsoft.com/office/powerpoint/2012/main">
@@ -3342,10 +3333,9 @@
           </a:lstStyle>
           <a:p>
             <a:r>
-              <a:rPr lang="en-US" smtClean="0"/>
+              <a:rPr lang="en-US"/>
               <a:t>Click to edit Master subtitle style</a:t>
             </a:r>
-            <a:endParaRPr lang="en-US"/>
           </a:p>
         </p:txBody>
       </p:sp>
@@ -3545,7 +3535,7 @@
           <a:p>
             <a:pPr lvl="0"/>
             <a:r>
-              <a:rPr lang="en-US" dirty="0" smtClean="0"/>
+              <a:rPr lang="en-US" dirty="0"/>
               <a:t>Module or Section transition style</a:t>
             </a:r>
           </a:p>
@@ -3677,7 +3667,7 @@
           </a:lstStyle>
           <a:p>
             <a:r>
-              <a:rPr lang="en-US" smtClean="0"/>
+              <a:rPr lang="en-US"/>
               <a:t>Click to edit Master subtitle style</a:t>
             </a:r>
             <a:endParaRPr lang="en-US" dirty="0"/>
@@ -3694,13 +3684,6 @@
   <p:clrMapOvr>
     <a:masterClrMapping/>
   </p:clrMapOvr>
-  <p:timing>
-    <p:tnLst>
-      <p:par>
-        <p:cTn id="1" dur="indefinite" restart="never" nodeType="tmRoot"/>
-      </p:par>
-    </p:tnLst>
-  </p:timing>
   <p:extLst mod="1">
     <p:ext uri="{DCECCB84-F9BA-43D5-87BE-67443E8EF086}">
       <p15:sldGuideLst xmlns:p15="http://schemas.microsoft.com/office/powerpoint/2012/main">
@@ -3767,7 +3750,7 @@
           </a:lstStyle>
           <a:p>
             <a:r>
-              <a:rPr lang="en-US" smtClean="0"/>
+              <a:rPr lang="en-US"/>
               <a:t>Click to edit Master title style</a:t>
             </a:r>
             <a:endParaRPr lang="en-US" dirty="0"/>
@@ -3863,13 +3846,6 @@
   <p:clrMapOvr>
     <a:masterClrMapping/>
   </p:clrMapOvr>
-  <p:timing>
-    <p:tnLst>
-      <p:par>
-        <p:cTn id="1" dur="indefinite" restart="never" nodeType="tmRoot"/>
-      </p:par>
-    </p:tnLst>
-  </p:timing>
 </p:sldLayout>
 </file>
 
@@ -3906,7 +3882,7 @@
           <a:lstStyle/>
           <a:p>
             <a:r>
-              <a:rPr lang="en-US" smtClean="0"/>
+              <a:rPr lang="en-US"/>
               <a:t>Click to edit Master title style</a:t>
             </a:r>
             <a:endParaRPr lang="en-US" dirty="0"/>
@@ -3977,35 +3953,35 @@
           <a:p>
             <a:pPr lvl="0"/>
             <a:r>
-              <a:rPr lang="en-US" smtClean="0"/>
+              <a:rPr lang="en-US"/>
               <a:t>Click to edit Master text styles</a:t>
             </a:r>
           </a:p>
           <a:p>
             <a:pPr lvl="1"/>
             <a:r>
-              <a:rPr lang="en-US" smtClean="0"/>
+              <a:rPr lang="en-US"/>
               <a:t>Second level</a:t>
             </a:r>
           </a:p>
           <a:p>
             <a:pPr lvl="2"/>
             <a:r>
-              <a:rPr lang="en-US" smtClean="0"/>
+              <a:rPr lang="en-US"/>
               <a:t>Third level</a:t>
             </a:r>
           </a:p>
           <a:p>
             <a:pPr lvl="3"/>
             <a:r>
-              <a:rPr lang="en-US" smtClean="0"/>
+              <a:rPr lang="en-US"/>
               <a:t>Fourth level</a:t>
             </a:r>
           </a:p>
           <a:p>
             <a:pPr lvl="4"/>
             <a:r>
-              <a:rPr lang="en-US" smtClean="0"/>
+              <a:rPr lang="en-US"/>
               <a:t>Fifth level</a:t>
             </a:r>
             <a:endParaRPr lang="en-US" dirty="0"/>
@@ -4022,13 +3998,6 @@
   <p:clrMapOvr>
     <a:masterClrMapping/>
   </p:clrMapOvr>
-  <p:timing>
-    <p:tnLst>
-      <p:par>
-        <p:cTn id="1" dur="indefinite" restart="never" nodeType="tmRoot"/>
-      </p:par>
-    </p:tnLst>
-  </p:timing>
 </p:sldLayout>
 </file>
 
@@ -4104,35 +4073,35 @@
           <a:p>
             <a:pPr lvl="0"/>
             <a:r>
-              <a:rPr lang="en-US" smtClean="0"/>
+              <a:rPr lang="en-US"/>
               <a:t>Click to edit Master text styles</a:t>
             </a:r>
           </a:p>
           <a:p>
             <a:pPr lvl="1"/>
             <a:r>
-              <a:rPr lang="en-US" smtClean="0"/>
+              <a:rPr lang="en-US"/>
               <a:t>Second level</a:t>
             </a:r>
           </a:p>
           <a:p>
             <a:pPr lvl="2"/>
             <a:r>
-              <a:rPr lang="en-US" smtClean="0"/>
+              <a:rPr lang="en-US"/>
               <a:t>Third level</a:t>
             </a:r>
           </a:p>
           <a:p>
             <a:pPr lvl="3"/>
             <a:r>
-              <a:rPr lang="en-US" smtClean="0"/>
+              <a:rPr lang="en-US"/>
               <a:t>Fourth level</a:t>
             </a:r>
           </a:p>
           <a:p>
             <a:pPr lvl="4"/>
             <a:r>
-              <a:rPr lang="en-US" smtClean="0"/>
+              <a:rPr lang="en-US"/>
               <a:t>Fifth level</a:t>
             </a:r>
             <a:endParaRPr lang="en-US" dirty="0"/>
@@ -4194,35 +4163,35 @@
           <a:p>
             <a:pPr lvl="0"/>
             <a:r>
-              <a:rPr lang="en-US" smtClean="0"/>
+              <a:rPr lang="en-US"/>
               <a:t>Click to edit Master text styles</a:t>
             </a:r>
           </a:p>
           <a:p>
             <a:pPr lvl="1"/>
             <a:r>
-              <a:rPr lang="en-US" smtClean="0"/>
+              <a:rPr lang="en-US"/>
               <a:t>Second level</a:t>
             </a:r>
           </a:p>
           <a:p>
             <a:pPr lvl="2"/>
             <a:r>
-              <a:rPr lang="en-US" smtClean="0"/>
+              <a:rPr lang="en-US"/>
               <a:t>Third level</a:t>
             </a:r>
           </a:p>
           <a:p>
             <a:pPr lvl="3"/>
             <a:r>
-              <a:rPr lang="en-US" smtClean="0"/>
+              <a:rPr lang="en-US"/>
               <a:t>Fourth level</a:t>
             </a:r>
           </a:p>
           <a:p>
             <a:pPr lvl="4"/>
             <a:r>
-              <a:rPr lang="en-US" smtClean="0"/>
+              <a:rPr lang="en-US"/>
               <a:t>Fifth level</a:t>
             </a:r>
             <a:endParaRPr lang="en-US" dirty="0"/>
@@ -4245,10 +4214,9 @@
           <a:lstStyle/>
           <a:p>
             <a:r>
-              <a:rPr lang="en-US" smtClean="0"/>
+              <a:rPr lang="en-US"/>
               <a:t>Click to edit Master title style</a:t>
             </a:r>
-            <a:endParaRPr lang="en-US"/>
           </a:p>
         </p:txBody>
       </p:sp>
@@ -4262,13 +4230,6 @@
   <p:clrMapOvr>
     <a:masterClrMapping/>
   </p:clrMapOvr>
-  <p:timing>
-    <p:tnLst>
-      <p:par>
-        <p:cTn id="1" dur="indefinite" restart="never" nodeType="tmRoot"/>
-      </p:par>
-    </p:tnLst>
-  </p:timing>
 </p:sldLayout>
 </file>
 
@@ -4361,7 +4322,7 @@
           <a:p>
             <a:pPr lvl="0"/>
             <a:r>
-              <a:rPr lang="en-US" smtClean="0"/>
+              <a:rPr lang="en-US"/>
               <a:t>Click to edit Master text styles</a:t>
             </a:r>
           </a:p>
@@ -4420,35 +4381,35 @@
           <a:p>
             <a:pPr lvl="0"/>
             <a:r>
-              <a:rPr lang="en-US" smtClean="0"/>
+              <a:rPr lang="en-US"/>
               <a:t>Click to edit Master text styles</a:t>
             </a:r>
           </a:p>
           <a:p>
             <a:pPr lvl="1"/>
             <a:r>
-              <a:rPr lang="en-US" smtClean="0"/>
+              <a:rPr lang="en-US"/>
               <a:t>Second level</a:t>
             </a:r>
           </a:p>
           <a:p>
             <a:pPr lvl="2"/>
             <a:r>
-              <a:rPr lang="en-US" smtClean="0"/>
+              <a:rPr lang="en-US"/>
               <a:t>Third level</a:t>
             </a:r>
           </a:p>
           <a:p>
             <a:pPr lvl="3"/>
             <a:r>
-              <a:rPr lang="en-US" smtClean="0"/>
+              <a:rPr lang="en-US"/>
               <a:t>Fourth level</a:t>
             </a:r>
           </a:p>
           <a:p>
             <a:pPr lvl="4"/>
             <a:r>
-              <a:rPr lang="en-US" smtClean="0"/>
+              <a:rPr lang="en-US"/>
               <a:t>Fifth level</a:t>
             </a:r>
             <a:endParaRPr lang="en-US" dirty="0"/>
@@ -4527,7 +4488,7 @@
           <a:p>
             <a:pPr lvl="0"/>
             <a:r>
-              <a:rPr lang="en-US" smtClean="0"/>
+              <a:rPr lang="en-US"/>
               <a:t>Click to edit Master text styles</a:t>
             </a:r>
           </a:p>
@@ -4586,35 +4547,35 @@
           <a:p>
             <a:pPr lvl="0"/>
             <a:r>
-              <a:rPr lang="en-US" smtClean="0"/>
+              <a:rPr lang="en-US"/>
               <a:t>Click to edit Master text styles</a:t>
             </a:r>
           </a:p>
           <a:p>
             <a:pPr lvl="1"/>
             <a:r>
-              <a:rPr lang="en-US" smtClean="0"/>
+              <a:rPr lang="en-US"/>
               <a:t>Second level</a:t>
             </a:r>
           </a:p>
           <a:p>
             <a:pPr lvl="2"/>
             <a:r>
-              <a:rPr lang="en-US" smtClean="0"/>
+              <a:rPr lang="en-US"/>
               <a:t>Third level</a:t>
             </a:r>
           </a:p>
           <a:p>
             <a:pPr lvl="3"/>
             <a:r>
-              <a:rPr lang="en-US" smtClean="0"/>
+              <a:rPr lang="en-US"/>
               <a:t>Fourth level</a:t>
             </a:r>
           </a:p>
           <a:p>
             <a:pPr lvl="4"/>
             <a:r>
-              <a:rPr lang="en-US" smtClean="0"/>
+              <a:rPr lang="en-US"/>
               <a:t>Fifth level</a:t>
             </a:r>
             <a:endParaRPr lang="en-US" dirty="0"/>
@@ -4637,10 +4598,9 @@
           <a:lstStyle/>
           <a:p>
             <a:r>
-              <a:rPr lang="en-US" smtClean="0"/>
+              <a:rPr lang="en-US"/>
               <a:t>Click to edit Master title style</a:t>
             </a:r>
-            <a:endParaRPr lang="en-US"/>
           </a:p>
         </p:txBody>
       </p:sp>
@@ -4654,13 +4614,6 @@
   <p:clrMapOvr>
     <a:masterClrMapping/>
   </p:clrMapOvr>
-  <p:timing>
-    <p:tnLst>
-      <p:par>
-        <p:cTn id="1" dur="indefinite" restart="never" nodeType="tmRoot"/>
-      </p:par>
-    </p:tnLst>
-  </p:timing>
 </p:sldLayout>
 </file>
 
@@ -4697,10 +4650,9 @@
           <a:lstStyle/>
           <a:p>
             <a:r>
-              <a:rPr lang="en-US" smtClean="0"/>
+              <a:rPr lang="en-US"/>
               <a:t>Click to edit Master title style</a:t>
             </a:r>
-            <a:endParaRPr lang="en-US"/>
           </a:p>
         </p:txBody>
       </p:sp>
@@ -4714,13 +4666,6 @@
   <p:clrMapOvr>
     <a:masterClrMapping/>
   </p:clrMapOvr>
-  <p:timing>
-    <p:tnLst>
-      <p:par>
-        <p:cTn id="1" dur="indefinite" restart="never" nodeType="tmRoot"/>
-      </p:par>
-    </p:tnLst>
-  </p:timing>
 </p:sldLayout>
 </file>
 
@@ -4751,13 +4696,6 @@
   <p:clrMapOvr>
     <a:masterClrMapping/>
   </p:clrMapOvr>
-  <p:timing>
-    <p:tnLst>
-      <p:par>
-        <p:cTn id="1" dur="indefinite" restart="never" nodeType="tmRoot"/>
-      </p:par>
-    </p:tnLst>
-  </p:timing>
 </p:sldLayout>
 </file>
 
@@ -4890,27 +4828,7 @@
                   </a:schemeClr>
                 </a:solidFill>
               </a:rPr>
-              <a:t>©</a:t>
-            </a:r>
-            <a:r>
-              <a:rPr lang="en-US" sz="1050" dirty="0" smtClean="0">
-                <a:solidFill>
-                  <a:schemeClr val="bg1">
-                    <a:lumMod val="85000"/>
-                  </a:schemeClr>
-                </a:solidFill>
-              </a:rPr>
-              <a:t>2014 </a:t>
-            </a:r>
-            <a:r>
-              <a:rPr lang="en-US" sz="1050" dirty="0">
-                <a:solidFill>
-                  <a:schemeClr val="bg1">
-                    <a:lumMod val="85000"/>
-                  </a:schemeClr>
-                </a:solidFill>
-              </a:rPr>
-              <a:t>Microsoft Corporation. All rights reserved. Microsoft, Windows, Office, Azure, System Center, Dynamics and other product names are or may be registered trademarks and/or trademarks in the U.S. and/or other countries. The information herein is for informational purposes only and represents the current view of Microsoft Corporation as of the date of this presentation. Because Microsoft must respond to changing market conditions, it should not be interpreted to be a commitment on the part of Microsoft, and Microsoft cannot guarantee the accuracy of any information provided after the date of this presentation. MICROSOFT MAKES NO WARRANTIES, EXPRESS, IMPLIED OR STATUTORY, AS TO THE INFORMATION IN THIS PRESENTATION.</a:t>
+              <a:t>©2014 Microsoft Corporation. All rights reserved. Microsoft, Windows, Office, Azure, System Center, Dynamics and other product names are or may be registered trademarks and/or trademarks in the U.S. and/or other countries. The information herein is for informational purposes only and represents the current view of Microsoft Corporation as of the date of this presentation. Because Microsoft must respond to changing market conditions, it should not be interpreted to be a commitment on the part of Microsoft, and Microsoft cannot guarantee the accuracy of any information provided after the date of this presentation. MICROSOFT MAKES NO WARRANTIES, EXPRESS, IMPLIED OR STATUTORY, AS TO THE INFORMATION IN THIS PRESENTATION.</a:t>
             </a:r>
           </a:p>
         </p:txBody>
@@ -4954,21 +4872,6 @@
   <p:clrMapOvr>
     <a:masterClrMapping/>
   </p:clrMapOvr>
-  <mc:AlternateContent xmlns:mc="http://schemas.openxmlformats.org/markup-compatibility/2006" xmlns:p14="http://schemas.microsoft.com/office/powerpoint/2010/main">
-    <mc:Choice Requires="p14">
-      <p:transition spd="slow" p14:dur="2000"/>
-    </mc:Choice>
-    <mc:Fallback xmlns="">
-      <p:transition spd="slow"/>
-    </mc:Fallback>
-  </mc:AlternateContent>
-  <p:timing>
-    <p:tnLst>
-      <p:par>
-        <p:cTn id="1" dur="indefinite" restart="never" nodeType="tmRoot"/>
-      </p:par>
-    </p:tnLst>
-  </p:timing>
 </p:sldLayout>
 </file>
 
@@ -5020,7 +4923,7 @@
           <a:lstStyle/>
           <a:p>
             <a:r>
-              <a:rPr lang="en-US" smtClean="0"/>
+              <a:rPr lang="en-US"/>
               <a:t>Click to edit Master title style</a:t>
             </a:r>
             <a:endParaRPr lang="en-US" dirty="0"/>
@@ -5046,13 +4949,6 @@
     <p:sldLayoutId id="2147483668" r:id="rId8"/>
     <p:sldLayoutId id="2147483669" r:id="rId9"/>
   </p:sldLayoutIdLst>
-  <p:timing>
-    <p:tnLst>
-      <p:par>
-        <p:cTn id="1" dur="indefinite" restart="never" nodeType="tmRoot"/>
-      </p:par>
-    </p:tnLst>
-  </p:timing>
   <p:txStyles>
     <p:titleStyle>
       <a:lvl1pPr algn="l" defTabSz="914088" rtl="0" eaLnBrk="1" latinLnBrk="0" hangingPunct="1">
@@ -5358,11 +5254,11 @@
           <a:p>
             <a:pPr marL="914400" indent="-914400"/>
             <a:r>
-              <a:rPr lang="en-US" smtClean="0"/>
+              <a:rPr lang="en-US"/>
               <a:t>05 </a:t>
             </a:r>
             <a:r>
-              <a:rPr lang="en-US" dirty="0" smtClean="0"/>
+              <a:rPr lang="en-US" dirty="0"/>
               <a:t>| </a:t>
             </a:r>
             <a:r>
@@ -5412,13 +5308,6 @@
   <p:clrMapOvr>
     <a:masterClrMapping/>
   </p:clrMapOvr>
-  <p:timing>
-    <p:tnLst>
-      <p:par>
-        <p:cTn id="1" dur="indefinite" restart="never" nodeType="tmRoot"/>
-      </p:par>
-    </p:tnLst>
-  </p:timing>
 </p:sld>
 </file>
 
@@ -5506,21 +5395,8 @@
                   <a:srgbClr val="000000"/>
                 </a:solidFill>
               </a:rPr>
-              <a:t>Without GROUP BY clause, all rows are arranged as one </a:t>
-            </a:r>
-            <a:r>
-              <a:rPr lang="en-US" dirty="0" smtClean="0">
-                <a:solidFill>
-                  <a:srgbClr val="000000"/>
-                </a:solidFill>
-              </a:rPr>
-              <a:t>group</a:t>
-            </a:r>
-            <a:endParaRPr lang="en-US" dirty="0">
-              <a:solidFill>
-                <a:srgbClr val="000000"/>
-              </a:solidFill>
-            </a:endParaRPr>
+              <a:t>Without GROUP BY clause, all rows are arranged as one group</a:t>
+            </a:r>
           </a:p>
         </p:txBody>
       </p:sp>
@@ -5593,7 +5469,7 @@
               <a:t>SELECT COUNT(*) AS </a:t>
             </a:r>
             <a:r>
-              <a:rPr lang="en-US" sz="2000" kern="0" dirty="0" err="1" smtClean="0">
+              <a:rPr lang="en-US" sz="2000" kern="0" dirty="0" err="1">
                 <a:solidFill>
                   <a:srgbClr val="000000"/>
                 </a:solidFill>
@@ -5610,60 +5486,50 @@
                 <a:latin typeface="Lucida Sans Unicode" panose="020B0602030504020204" pitchFamily="34" charset="0"/>
                 <a:cs typeface="Lucida Sans Unicode" panose="020B0602030504020204" pitchFamily="34" charset="0"/>
               </a:rPr>
-              <a:t>, 			</a:t>
-            </a:r>
-            <a:r>
-              <a:rPr lang="en-US" sz="2000" kern="0" dirty="0" smtClean="0">
+              <a:t>, 							     		 SUM(</a:t>
+            </a:r>
+            <a:r>
+              <a:rPr lang="en-US" sz="2000" kern="0" dirty="0" err="1">
                 <a:solidFill>
                   <a:srgbClr val="000000"/>
                 </a:solidFill>
                 <a:latin typeface="Lucida Sans Unicode" panose="020B0602030504020204" pitchFamily="34" charset="0"/>
                 <a:cs typeface="Lucida Sans Unicode" panose="020B0602030504020204" pitchFamily="34" charset="0"/>
               </a:rPr>
-              <a:t>				     		 SUM(</a:t>
-            </a:r>
-            <a:r>
-              <a:rPr lang="en-US" sz="2000" kern="0" dirty="0" err="1" smtClean="0">
+              <a:t>OrderQty</a:t>
+            </a:r>
+            <a:r>
+              <a:rPr lang="en-US" sz="2000" kern="0" dirty="0">
                 <a:solidFill>
                   <a:srgbClr val="000000"/>
                 </a:solidFill>
                 <a:latin typeface="Lucida Sans Unicode" panose="020B0602030504020204" pitchFamily="34" charset="0"/>
                 <a:cs typeface="Lucida Sans Unicode" panose="020B0602030504020204" pitchFamily="34" charset="0"/>
               </a:rPr>
-              <a:t>OrderQty</a:t>
-            </a:r>
-            <a:r>
-              <a:rPr lang="en-US" sz="2000" kern="0" dirty="0" smtClean="0">
+              <a:t>*</a:t>
+            </a:r>
+            <a:r>
+              <a:rPr lang="en-US" sz="2000" kern="0" dirty="0" err="1">
                 <a:solidFill>
                   <a:srgbClr val="000000"/>
                 </a:solidFill>
                 <a:latin typeface="Lucida Sans Unicode" panose="020B0602030504020204" pitchFamily="34" charset="0"/>
                 <a:cs typeface="Lucida Sans Unicode" panose="020B0602030504020204" pitchFamily="34" charset="0"/>
               </a:rPr>
-              <a:t>*</a:t>
-            </a:r>
-            <a:r>
-              <a:rPr lang="en-US" sz="2000" kern="0" dirty="0" err="1" smtClean="0">
+              <a:t>UnitPrice</a:t>
+            </a:r>
+            <a:r>
+              <a:rPr lang="en-US" sz="2000" kern="0" dirty="0">
                 <a:solidFill>
                   <a:srgbClr val="000000"/>
                 </a:solidFill>
                 <a:latin typeface="Lucida Sans Unicode" panose="020B0602030504020204" pitchFamily="34" charset="0"/>
                 <a:cs typeface="Lucida Sans Unicode" panose="020B0602030504020204" pitchFamily="34" charset="0"/>
               </a:rPr>
-              <a:t>UnitPrice</a:t>
-            </a:r>
-            <a:r>
-              <a:rPr lang="en-US" sz="2000" kern="0" dirty="0">
-                <a:solidFill>
-                  <a:srgbClr val="000000"/>
-                </a:solidFill>
-                <a:latin typeface="Lucida Sans Unicode" panose="020B0602030504020204" pitchFamily="34" charset="0"/>
-                <a:cs typeface="Lucida Sans Unicode" panose="020B0602030504020204" pitchFamily="34" charset="0"/>
-              </a:rPr>
               <a:t>) AS </a:t>
             </a:r>
             <a:r>
-              <a:rPr lang="en-US" sz="2000" kern="0" dirty="0" err="1" smtClean="0">
+              <a:rPr lang="en-US" sz="2000" kern="0" dirty="0" err="1">
                 <a:solidFill>
                   <a:srgbClr val="000000"/>
                 </a:solidFill>
@@ -5706,7 +5572,7 @@
               <a:t>FROM	</a:t>
             </a:r>
             <a:r>
-              <a:rPr lang="en-US" sz="2000" kern="0" dirty="0" err="1" smtClean="0">
+              <a:rPr lang="en-US" sz="2000" kern="0" dirty="0" err="1">
                 <a:solidFill>
                   <a:srgbClr val="000000"/>
                 </a:solidFill>
@@ -5753,8 +5619,20 @@
                 <a:tableStyleId>{5C22544A-7EE6-4342-B048-85BDC9FD1C3A}</a:tableStyleId>
               </a:tblPr>
               <a:tblGrid>
-                <a:gridCol w="1958112"/>
-                <a:gridCol w="1821965"/>
+                <a:gridCol w="1958112">
+                  <a:extLst>
+                    <a:ext uri="{9D8B030D-6E8A-4147-A177-3AD203B41FA5}">
+                      <a16:colId xmlns:a16="http://schemas.microsoft.com/office/drawing/2014/main" val="20000"/>
+                    </a:ext>
+                  </a:extLst>
+                </a:gridCol>
+                <a:gridCol w="1821965">
+                  <a:extLst>
+                    <a:ext uri="{9D8B030D-6E8A-4147-A177-3AD203B41FA5}">
+                      <a16:colId xmlns:a16="http://schemas.microsoft.com/office/drawing/2014/main" val="20001"/>
+                    </a:ext>
+                  </a:extLst>
+                </a:gridCol>
               </a:tblGrid>
               <a:tr h="370840">
                 <a:tc>
@@ -5763,7 +5641,7 @@
                     <a:lstStyle/>
                     <a:p>
                       <a:r>
-                        <a:rPr lang="en-GB" dirty="0" err="1" smtClean="0"/>
+                        <a:rPr lang="en-GB" dirty="0" err="1"/>
                         <a:t>OrderLines</a:t>
                       </a:r>
                       <a:endParaRPr lang="en-GB" dirty="0"/>
@@ -5777,7 +5655,7 @@
                     <a:lstStyle/>
                     <a:p>
                       <a:r>
-                        <a:rPr lang="en-GB" dirty="0" err="1" smtClean="0"/>
+                        <a:rPr lang="en-GB" dirty="0" err="1"/>
                         <a:t>TotalSales</a:t>
                       </a:r>
                       <a:endParaRPr lang="en-GB" dirty="0"/>
@@ -5785,6 +5663,11 @@
                   </a:txBody>
                   <a:tcPr/>
                 </a:tc>
+                <a:extLst>
+                  <a:ext uri="{0D108BD9-81ED-4DB2-BD59-A6C34878D82A}">
+                    <a16:rowId xmlns:a16="http://schemas.microsoft.com/office/drawing/2014/main" val="10000"/>
+                  </a:ext>
+                </a:extLst>
               </a:tr>
               <a:tr h="370840">
                 <a:tc>
@@ -5793,10 +5676,9 @@
                     <a:lstStyle/>
                     <a:p>
                       <a:r>
-                        <a:rPr lang="en-GB" dirty="0" smtClean="0"/>
+                        <a:rPr lang="en-GB" dirty="0"/>
                         <a:t>542</a:t>
                       </a:r>
-                      <a:endParaRPr lang="en-GB" dirty="0"/>
                     </a:p>
                   </a:txBody>
                   <a:tcPr/>
@@ -5807,7 +5689,7 @@
                     <a:lstStyle/>
                     <a:p>
                       <a:r>
-                        <a:rPr lang="en-US" sz="1800" kern="0" dirty="0" smtClean="0">
+                        <a:rPr lang="en-US" sz="1800" kern="0" dirty="0">
                           <a:solidFill>
                             <a:srgbClr val="000000"/>
                           </a:solidFill>
@@ -5821,6 +5703,11 @@
                   </a:txBody>
                   <a:tcPr/>
                 </a:tc>
+                <a:extLst>
+                  <a:ext uri="{0D108BD9-81ED-4DB2-BD59-A6C34878D82A}">
+                    <a16:rowId xmlns:a16="http://schemas.microsoft.com/office/drawing/2014/main" val="10001"/>
+                  </a:ext>
+                </a:extLst>
               </a:tr>
             </a:tbl>
           </a:graphicData>
@@ -6208,10 +6095,9 @@
           <a:lstStyle/>
           <a:p>
             <a:r>
-              <a:rPr lang="en-GB" dirty="0" smtClean="0"/>
+              <a:rPr lang="en-GB" dirty="0"/>
               <a:t>Using Aggregate Functions</a:t>
             </a:r>
-            <a:endParaRPr lang="en-GB" dirty="0"/>
           </a:p>
         </p:txBody>
       </p:sp>
@@ -6225,13 +6111,6 @@
   <p:clrMapOvr>
     <a:masterClrMapping/>
   </p:clrMapOvr>
-  <p:timing>
-    <p:tnLst>
-      <p:par>
-        <p:cTn id="1" dur="indefinite" restart="never" nodeType="tmRoot"/>
-      </p:par>
-    </p:tnLst>
-  </p:timing>
 </p:sld>
 </file>
 
@@ -6297,76 +6176,34 @@
                   <a:srgbClr val="000000"/>
                 </a:solidFill>
               </a:rPr>
-              <a:t>GROUP BY creates groups for output rows, </a:t>
-            </a:r>
-            <a:r>
-              <a:rPr lang="en-US" dirty="0" smtClean="0">
+              <a:t>GROUP BY creates groups for output rows, according</a:t>
+            </a:r>
+            <a:br>
+              <a:rPr lang="en-US" dirty="0">
                 <a:solidFill>
                   <a:srgbClr val="000000"/>
                 </a:solidFill>
               </a:rPr>
-              <a:t>according</a:t>
-            </a:r>
-            <a:br>
-              <a:rPr lang="en-US" dirty="0" smtClean="0">
+            </a:br>
+            <a:r>
+              <a:rPr lang="en-US" dirty="0">
                 <a:solidFill>
                   <a:srgbClr val="000000"/>
                 </a:solidFill>
               </a:rPr>
-            </a:br>
-            <a:r>
-              <a:rPr lang="en-US" dirty="0" smtClean="0">
+              <a:t>to a unique combination of values specified in the GROUP BY clause</a:t>
+            </a:r>
+          </a:p>
+          <a:p>
+            <a:pPr lvl="0"/>
+            <a:r>
+              <a:rPr lang="en-US" dirty="0">
                 <a:solidFill>
                   <a:srgbClr val="000000"/>
                 </a:solidFill>
               </a:rPr>
-              <a:t>to </a:t>
-            </a:r>
-            <a:r>
-              <a:rPr lang="en-US" dirty="0">
-                <a:solidFill>
-                  <a:srgbClr val="000000"/>
-                </a:solidFill>
-              </a:rPr>
-              <a:t>a unique combination of values specified in the GROUP BY </a:t>
-            </a:r>
-            <a:r>
-              <a:rPr lang="en-US" dirty="0" smtClean="0">
-                <a:solidFill>
-                  <a:srgbClr val="000000"/>
-                </a:solidFill>
-              </a:rPr>
-              <a:t>clause</a:t>
-            </a:r>
-            <a:endParaRPr lang="en-US" dirty="0">
-              <a:solidFill>
-                <a:srgbClr val="000000"/>
-              </a:solidFill>
-            </a:endParaRPr>
-          </a:p>
-          <a:p>
-            <a:pPr lvl="0"/>
-            <a:r>
-              <a:rPr lang="en-US" dirty="0">
-                <a:solidFill>
-                  <a:srgbClr val="000000"/>
-                </a:solidFill>
-              </a:rPr>
-              <a:t>GROUP BY calculates a summary value for aggregate functions in subsequent </a:t>
-            </a:r>
-            <a:r>
-              <a:rPr lang="en-US" dirty="0" smtClean="0">
-                <a:solidFill>
-                  <a:srgbClr val="000000"/>
-                </a:solidFill>
-              </a:rPr>
-              <a:t>phases</a:t>
-            </a:r>
-            <a:endParaRPr lang="en-US" dirty="0">
-              <a:solidFill>
-                <a:srgbClr val="000000"/>
-              </a:solidFill>
-            </a:endParaRPr>
+              <a:t>GROUP BY calculates a summary value for aggregate functions in subsequent phases</a:t>
+            </a:r>
           </a:p>
           <a:p>
             <a:pPr lvl="0"/>
@@ -6470,25 +6307,8 @@
                 <a:latin typeface="Lucida Sans Unicode" panose="020B0602030504020204" pitchFamily="34" charset="0"/>
                 <a:cs typeface="Lucida Sans Unicode" panose="020B0602030504020204" pitchFamily="34" charset="0"/>
               </a:rPr>
-              <a:t>, COUNT(*) AS </a:t>
-            </a:r>
-            <a:r>
-              <a:rPr lang="en-US" sz="2000" kern="0" dirty="0" smtClean="0">
-                <a:solidFill>
-                  <a:srgbClr val="000000"/>
-                </a:solidFill>
-                <a:latin typeface="Lucida Sans Unicode" panose="020B0602030504020204" pitchFamily="34" charset="0"/>
-                <a:cs typeface="Lucida Sans Unicode" panose="020B0602030504020204" pitchFamily="34" charset="0"/>
-              </a:rPr>
-              <a:t>Orders</a:t>
-            </a:r>
-            <a:endParaRPr lang="en-US" sz="2000" kern="0" dirty="0">
-              <a:solidFill>
-                <a:srgbClr val="000000"/>
-              </a:solidFill>
-              <a:latin typeface="Lucida Sans Unicode" panose="020B0602030504020204" pitchFamily="34" charset="0"/>
-              <a:cs typeface="Lucida Sans Unicode" panose="020B0602030504020204" pitchFamily="34" charset="0"/>
-            </a:endParaRPr>
+              <a:t>, COUNT(*) AS Orders</a:t>
+            </a:r>
           </a:p>
           <a:p>
             <a:pPr defTabSz="457200" fontAlgn="base">
@@ -6516,7 +6336,7 @@
               <a:t>FROM </a:t>
             </a:r>
             <a:r>
-              <a:rPr lang="en-US" sz="2000" kern="0" dirty="0" err="1" smtClean="0">
+              <a:rPr lang="en-US" sz="2000" kern="0" dirty="0" err="1">
                 <a:solidFill>
                   <a:srgbClr val="000000"/>
                 </a:solidFill>
@@ -6844,10 +6664,9 @@
           <a:lstStyle/>
           <a:p>
             <a:r>
-              <a:rPr lang="en-GB" dirty="0" smtClean="0"/>
+              <a:rPr lang="en-GB" dirty="0"/>
               <a:t>Grouping with GROUP BY</a:t>
             </a:r>
-            <a:endParaRPr lang="en-GB" dirty="0"/>
           </a:p>
         </p:txBody>
       </p:sp>
@@ -6861,13 +6680,6 @@
   <p:clrMapOvr>
     <a:masterClrMapping/>
   </p:clrMapOvr>
-  <p:timing>
-    <p:tnLst>
-      <p:par>
-        <p:cTn id="1" dur="indefinite" restart="never" nodeType="tmRoot"/>
-      </p:par>
-    </p:tnLst>
-  </p:timing>
 </p:sld>
 </file>
 
@@ -6938,57 +6750,33 @@
                   <a:srgbClr val="000000"/>
                 </a:solidFill>
               </a:rPr>
-              <a:t>HAVING clause provides a search condition that </a:t>
-            </a:r>
-            <a:r>
-              <a:rPr lang="en-US" dirty="0" smtClean="0">
+              <a:t>HAVING clause provides a search condition that each</a:t>
+            </a:r>
+            <a:br>
+              <a:rPr lang="en-US" dirty="0">
                 <a:solidFill>
                   <a:srgbClr val="000000"/>
                 </a:solidFill>
               </a:rPr>
-              <a:t>each</a:t>
-            </a:r>
-            <a:br>
-              <a:rPr lang="en-US" dirty="0" smtClean="0">
+            </a:br>
+            <a:r>
+              <a:rPr lang="en-US" dirty="0">
                 <a:solidFill>
                   <a:srgbClr val="000000"/>
                 </a:solidFill>
               </a:rPr>
-            </a:br>
-            <a:r>
-              <a:rPr lang="en-US" dirty="0" smtClean="0">
+              <a:t>group must satisfy</a:t>
+            </a:r>
+          </a:p>
+          <a:p>
+            <a:pPr lvl="0"/>
+            <a:r>
+              <a:rPr lang="en-US" dirty="0">
                 <a:solidFill>
                   <a:srgbClr val="000000"/>
                 </a:solidFill>
               </a:rPr>
-              <a:t>group </a:t>
-            </a:r>
-            <a:r>
-              <a:rPr lang="en-US" dirty="0">
-                <a:solidFill>
-                  <a:srgbClr val="000000"/>
-                </a:solidFill>
-              </a:rPr>
-              <a:t>must satisfy</a:t>
-            </a:r>
-          </a:p>
-          <a:p>
-            <a:pPr lvl="0"/>
-            <a:r>
-              <a:rPr lang="en-US" dirty="0" smtClean="0">
-                <a:solidFill>
-                  <a:srgbClr val="000000"/>
-                </a:solidFill>
-              </a:rPr>
-              <a:t>WHERE clause is processed before GROUP BY, HAVING </a:t>
-            </a:r>
-            <a:r>
-              <a:rPr lang="en-US" dirty="0">
-                <a:solidFill>
-                  <a:srgbClr val="000000"/>
-                </a:solidFill>
-              </a:rPr>
-              <a:t>clause is processed after GROUP BY</a:t>
+              <a:t>WHERE clause is processed before GROUP BY, HAVING clause is processed after GROUP BY</a:t>
             </a:r>
           </a:p>
           <a:p>
@@ -7082,25 +6870,8 @@
                 <a:latin typeface="Lucida Sans Unicode" panose="020B0602030504020204" pitchFamily="34" charset="0"/>
                 <a:cs typeface="Lucida Sans Unicode" panose="020B0602030504020204" pitchFamily="34" charset="0"/>
               </a:rPr>
-              <a:t>, COUNT(*) AS </a:t>
-            </a:r>
-            <a:r>
-              <a:rPr lang="en-US" sz="2000" kern="0" dirty="0" smtClean="0">
-                <a:solidFill>
-                  <a:srgbClr val="000000"/>
-                </a:solidFill>
-                <a:latin typeface="Lucida Sans Unicode" panose="020B0602030504020204" pitchFamily="34" charset="0"/>
-                <a:cs typeface="Lucida Sans Unicode" panose="020B0602030504020204" pitchFamily="34" charset="0"/>
-              </a:rPr>
-              <a:t>Orders</a:t>
-            </a:r>
-            <a:endParaRPr lang="en-US" sz="2000" kern="0" dirty="0">
-              <a:solidFill>
-                <a:srgbClr val="000000"/>
-              </a:solidFill>
-              <a:latin typeface="Lucida Sans Unicode" panose="020B0602030504020204" pitchFamily="34" charset="0"/>
-              <a:cs typeface="Lucida Sans Unicode" panose="020B0602030504020204" pitchFamily="34" charset="0"/>
-            </a:endParaRPr>
+              <a:t>, COUNT(*) AS Orders</a:t>
+            </a:r>
           </a:p>
           <a:p>
             <a:pPr defTabSz="457200" fontAlgn="base">
@@ -7128,7 +6899,7 @@
               <a:t>FROM </a:t>
             </a:r>
             <a:r>
-              <a:rPr lang="en-US" sz="2000" kern="0" dirty="0" err="1" smtClean="0">
+              <a:rPr lang="en-US" sz="2000" kern="0" dirty="0" err="1">
                 <a:solidFill>
                   <a:srgbClr val="000000"/>
                 </a:solidFill>
@@ -7430,10 +7201,9 @@
           <a:lstStyle/>
           <a:p>
             <a:r>
-              <a:rPr lang="en-GB" dirty="0" smtClean="0"/>
+              <a:rPr lang="en-GB" dirty="0"/>
               <a:t>Filtering with HAVING</a:t>
             </a:r>
-            <a:endParaRPr lang="en-GB" dirty="0"/>
           </a:p>
         </p:txBody>
       </p:sp>
@@ -7447,13 +7217,6 @@
   <p:clrMapOvr>
     <a:masterClrMapping/>
   </p:clrMapOvr>
-  <p:timing>
-    <p:tnLst>
-      <p:par>
-        <p:cTn id="1" dur="indefinite" restart="never" nodeType="tmRoot"/>
-      </p:par>
-    </p:tnLst>
-  </p:timing>
 </p:sld>
 </file>
 
@@ -7497,44 +7260,28 @@
           <a:lstStyle/>
           <a:p>
             <a:r>
-              <a:rPr lang="en-GB" dirty="0" smtClean="0"/>
-              <a:t>Introduction </a:t>
-            </a:r>
-            <a:r>
               <a:rPr lang="en-GB" dirty="0"/>
-              <a:t>to Built-In Functions</a:t>
-            </a:r>
-          </a:p>
-          <a:p>
-            <a:r>
-              <a:rPr lang="en-GB" dirty="0" smtClean="0"/>
-              <a:t>Scalar </a:t>
-            </a:r>
+              <a:t>Introduction to Built-In Functions</a:t>
+            </a:r>
+          </a:p>
+          <a:p>
             <a:r>
               <a:rPr lang="en-GB" dirty="0"/>
-              <a:t>Functions</a:t>
+              <a:t>Scalar Functions</a:t>
             </a:r>
           </a:p>
           <a:p>
             <a:pPr fontAlgn="ctr"/>
             <a:r>
-              <a:rPr lang="en-GB" dirty="0" smtClean="0"/>
-              <a:t>Aggregate </a:t>
-            </a:r>
-            <a:r>
               <a:rPr lang="en-GB" dirty="0"/>
-              <a:t>Functions</a:t>
+              <a:t>Aggregate Functions</a:t>
             </a:r>
           </a:p>
           <a:p>
             <a:pPr fontAlgn="ctr"/>
             <a:r>
-              <a:rPr lang="en-GB" dirty="0" smtClean="0"/>
-              <a:t>Logical </a:t>
-            </a:r>
-            <a:r>
               <a:rPr lang="en-GB" dirty="0"/>
-              <a:t>Functions</a:t>
+              <a:t>Logical Functions</a:t>
             </a:r>
           </a:p>
           <a:p>
@@ -7549,34 +7296,22 @@
               <a:buChar char="•"/>
             </a:pPr>
             <a:r>
-              <a:rPr lang="en-GB" sz="3300" dirty="0" smtClean="0"/>
+              <a:rPr lang="en-GB" sz="3300" dirty="0"/>
               <a:t>Window Functions</a:t>
             </a:r>
           </a:p>
           <a:p>
             <a:pPr fontAlgn="ctr"/>
             <a:r>
-              <a:rPr lang="en-GB" dirty="0" smtClean="0"/>
-              <a:t>Grouping </a:t>
-            </a:r>
-            <a:r>
               <a:rPr lang="en-GB" dirty="0"/>
-              <a:t>with GROUP BY</a:t>
+              <a:t>Grouping with GROUP BY</a:t>
             </a:r>
           </a:p>
           <a:p>
             <a:pPr fontAlgn="ctr"/>
             <a:r>
-              <a:rPr lang="en-GB" dirty="0" smtClean="0"/>
-              <a:t>Filtering </a:t>
-            </a:r>
-            <a:r>
               <a:rPr lang="en-GB" dirty="0"/>
-              <a:t>with </a:t>
-            </a:r>
-            <a:r>
-              <a:rPr lang="en-GB" dirty="0" smtClean="0"/>
-              <a:t>HAVING</a:t>
+              <a:t>Filtering with HAVING</a:t>
             </a:r>
           </a:p>
           <a:p>
@@ -7625,13 +7360,6 @@
   <p:clrMapOvr>
     <a:masterClrMapping/>
   </p:clrMapOvr>
-  <p:timing>
-    <p:tnLst>
-      <p:par>
-        <p:cTn id="1" dur="indefinite" restart="never" nodeType="tmRoot"/>
-      </p:par>
-    </p:tnLst>
-  </p:timing>
 </p:sld>
 </file>
 
@@ -7662,13 +7390,6 @@
   <p:clrMapOvr>
     <a:masterClrMapping/>
   </p:clrMapOvr>
-  <p:timing>
-    <p:tnLst>
-      <p:par>
-        <p:cTn id="1" dur="indefinite" restart="never" nodeType="tmRoot"/>
-      </p:par>
-    </p:tnLst>
-  </p:timing>
 </p:sld>
 </file>
 
@@ -7707,44 +7428,28 @@
           <a:lstStyle/>
           <a:p>
             <a:r>
-              <a:rPr lang="en-GB" dirty="0" smtClean="0"/>
-              <a:t>Introduction </a:t>
-            </a:r>
-            <a:r>
               <a:rPr lang="en-GB" dirty="0"/>
-              <a:t>to Built-In Functions</a:t>
-            </a:r>
-          </a:p>
-          <a:p>
-            <a:r>
-              <a:rPr lang="en-GB" dirty="0" smtClean="0"/>
-              <a:t>Scalar </a:t>
-            </a:r>
+              <a:t>Introduction to Built-In Functions</a:t>
+            </a:r>
+          </a:p>
+          <a:p>
             <a:r>
               <a:rPr lang="en-GB" dirty="0"/>
-              <a:t>Functions</a:t>
+              <a:t>Scalar Functions</a:t>
             </a:r>
           </a:p>
           <a:p>
             <a:pPr fontAlgn="ctr"/>
             <a:r>
-              <a:rPr lang="en-GB" dirty="0" smtClean="0"/>
-              <a:t>Aggregate </a:t>
-            </a:r>
-            <a:r>
               <a:rPr lang="en-GB" dirty="0"/>
-              <a:t>Functions</a:t>
+              <a:t>Aggregate Functions</a:t>
             </a:r>
           </a:p>
           <a:p>
             <a:pPr fontAlgn="ctr"/>
             <a:r>
-              <a:rPr lang="en-GB" dirty="0" smtClean="0"/>
-              <a:t>Logical </a:t>
-            </a:r>
-            <a:r>
               <a:rPr lang="en-GB" dirty="0"/>
-              <a:t>Functions</a:t>
+              <a:t>Logical Functions</a:t>
             </a:r>
           </a:p>
           <a:p>
@@ -7759,36 +7464,23 @@
               <a:buChar char="•"/>
             </a:pPr>
             <a:r>
-              <a:rPr lang="en-GB" sz="3300" dirty="0" smtClean="0"/>
+              <a:rPr lang="en-GB" sz="3300" dirty="0"/>
               <a:t>Window Functions</a:t>
             </a:r>
           </a:p>
           <a:p>
             <a:pPr fontAlgn="ctr"/>
             <a:r>
-              <a:rPr lang="en-GB" dirty="0" smtClean="0"/>
-              <a:t>Grouping </a:t>
-            </a:r>
-            <a:r>
               <a:rPr lang="en-GB" dirty="0"/>
-              <a:t>with GROUP BY</a:t>
+              <a:t>Grouping with GROUP BY</a:t>
             </a:r>
           </a:p>
           <a:p>
             <a:pPr fontAlgn="ctr"/>
             <a:r>
-              <a:rPr lang="en-GB" dirty="0" smtClean="0"/>
-              <a:t>Filtering </a:t>
-            </a:r>
-            <a:r>
               <a:rPr lang="en-GB" dirty="0"/>
-              <a:t>with </a:t>
-            </a:r>
-            <a:r>
-              <a:rPr lang="en-GB" dirty="0" smtClean="0"/>
-              <a:t>HAVING</a:t>
-            </a:r>
-            <a:endParaRPr lang="en-GB" dirty="0"/>
+              <a:t>Filtering with HAVING</a:t>
+            </a:r>
           </a:p>
         </p:txBody>
       </p:sp>
@@ -7808,7 +7500,7 @@
           <a:lstStyle/>
           <a:p>
             <a:r>
-              <a:rPr lang="en-US" smtClean="0"/>
+              <a:rPr lang="en-US"/>
               <a:t>Module Overview</a:t>
             </a:r>
             <a:endParaRPr lang="en-US" dirty="0"/>
@@ -7825,13 +7517,6 @@
   <p:clrMapOvr>
     <a:masterClrMapping/>
   </p:clrMapOvr>
-  <p:timing>
-    <p:tnLst>
-      <p:par>
-        <p:cTn id="1" dur="indefinite" restart="never" nodeType="tmRoot"/>
-      </p:par>
-    </p:tnLst>
-  </p:timing>
 </p:sld>
 </file>
 
@@ -7900,8 +7585,20 @@
                 <a:tableStyleId>{5C22544A-7EE6-4342-B048-85BDC9FD1C3A}</a:tableStyleId>
               </a:tblPr>
               <a:tblGrid>
-                <a:gridCol w="3706120"/>
-                <a:gridCol w="7817210"/>
+                <a:gridCol w="3706120">
+                  <a:extLst>
+                    <a:ext uri="{9D8B030D-6E8A-4147-A177-3AD203B41FA5}">
+                      <a16:colId xmlns:a16="http://schemas.microsoft.com/office/drawing/2014/main" val="20000"/>
+                    </a:ext>
+                  </a:extLst>
+                </a:gridCol>
+                <a:gridCol w="7817210">
+                  <a:extLst>
+                    <a:ext uri="{9D8B030D-6E8A-4147-A177-3AD203B41FA5}">
+                      <a16:colId xmlns:a16="http://schemas.microsoft.com/office/drawing/2014/main" val="20001"/>
+                    </a:ext>
+                  </a:extLst>
+                </a:gridCol>
               </a:tblGrid>
               <a:tr h="546718">
                 <a:tc>
@@ -7956,6 +7653,11 @@
                   </a:txBody>
                   <a:tcPr marL="82954" marR="82954" marT="0" marB="0"/>
                 </a:tc>
+                <a:extLst>
+                  <a:ext uri="{0D108BD9-81ED-4DB2-BD59-A6C34878D82A}">
+                    <a16:rowId xmlns:a16="http://schemas.microsoft.com/office/drawing/2014/main" val="10000"/>
+                  </a:ext>
+                </a:extLst>
               </a:tr>
               <a:tr h="546718">
                 <a:tc>
@@ -8010,6 +7712,11 @@
                   </a:txBody>
                   <a:tcPr marL="82954" marR="82954" marT="0" marB="0"/>
                 </a:tc>
+                <a:extLst>
+                  <a:ext uri="{0D108BD9-81ED-4DB2-BD59-A6C34878D82A}">
+                    <a16:rowId xmlns:a16="http://schemas.microsoft.com/office/drawing/2014/main" val="10001"/>
+                  </a:ext>
+                </a:extLst>
               </a:tr>
               <a:tr h="546718">
                 <a:tc>
@@ -8026,7 +7733,7 @@
                         </a:spcAft>
                       </a:pPr>
                       <a:r>
-                        <a:rPr lang="en-GB" sz="2400" dirty="0" smtClean="0">
+                        <a:rPr lang="en-GB" sz="2400" dirty="0">
                           <a:effectLst/>
                           <a:latin typeface="Calibri" panose="020F0502020204030204" pitchFamily="34" charset="0"/>
                           <a:ea typeface="Calibri" panose="020F0502020204030204" pitchFamily="34" charset="0"/>
@@ -8034,12 +7741,6 @@
                         </a:rPr>
                         <a:t>Logical</a:t>
                       </a:r>
-                      <a:endParaRPr lang="en-GB" sz="2400" dirty="0">
-                        <a:effectLst/>
-                        <a:latin typeface="Calibri" panose="020F0502020204030204" pitchFamily="34" charset="0"/>
-                        <a:ea typeface="Calibri" panose="020F0502020204030204" pitchFamily="34" charset="0"/>
-                        <a:cs typeface="Times New Roman" panose="02020603050405020304" pitchFamily="18" charset="0"/>
-                      </a:endParaRPr>
                     </a:p>
                   </a:txBody>
                   <a:tcPr marL="82954" marR="82954" marT="0" marB="0"/>
@@ -8058,7 +7759,7 @@
                         </a:spcAft>
                       </a:pPr>
                       <a:r>
-                        <a:rPr lang="en-GB" sz="2400" dirty="0" smtClean="0">
+                        <a:rPr lang="en-GB" sz="2400" dirty="0">
                           <a:effectLst/>
                           <a:latin typeface="Calibri" panose="020F0502020204030204" pitchFamily="34" charset="0"/>
                           <a:ea typeface="Calibri" panose="020F0502020204030204" pitchFamily="34" charset="0"/>
@@ -8067,7 +7768,7 @@
                         <a:t>Scalar</a:t>
                       </a:r>
                       <a:r>
-                        <a:rPr lang="en-GB" sz="2400" baseline="0" dirty="0" smtClean="0">
+                        <a:rPr lang="en-GB" sz="2400" baseline="0" dirty="0">
                           <a:effectLst/>
                           <a:latin typeface="Calibri" panose="020F0502020204030204" pitchFamily="34" charset="0"/>
                           <a:ea typeface="Calibri" panose="020F0502020204030204" pitchFamily="34" charset="0"/>
@@ -8076,7 +7777,7 @@
                         <a:t> functions that c</a:t>
                       </a:r>
                       <a:r>
-                        <a:rPr lang="en-GB" sz="2400" dirty="0" smtClean="0">
+                        <a:rPr lang="en-GB" sz="2400" dirty="0">
                           <a:effectLst/>
                           <a:latin typeface="Calibri" panose="020F0502020204030204" pitchFamily="34" charset="0"/>
                           <a:ea typeface="Calibri" panose="020F0502020204030204" pitchFamily="34" charset="0"/>
@@ -8085,7 +7786,7 @@
                         <a:t>ompare multiple</a:t>
                       </a:r>
                       <a:r>
-                        <a:rPr lang="en-GB" sz="2400" baseline="0" dirty="0" smtClean="0">
+                        <a:rPr lang="en-GB" sz="2400" baseline="0" dirty="0">
                           <a:effectLst/>
                           <a:latin typeface="Calibri" panose="020F0502020204030204" pitchFamily="34" charset="0"/>
                           <a:ea typeface="Calibri" panose="020F0502020204030204" pitchFamily="34" charset="0"/>
@@ -8103,6 +7804,11 @@
                   </a:txBody>
                   <a:tcPr marL="82954" marR="82954" marT="0" marB="0"/>
                 </a:tc>
+                <a:extLst>
+                  <a:ext uri="{0D108BD9-81ED-4DB2-BD59-A6C34878D82A}">
+                    <a16:rowId xmlns:a16="http://schemas.microsoft.com/office/drawing/2014/main" val="10002"/>
+                  </a:ext>
+                </a:extLst>
               </a:tr>
               <a:tr h="546718">
                 <a:tc>
@@ -8119,7 +7825,7 @@
                         </a:spcAft>
                       </a:pPr>
                       <a:r>
-                        <a:rPr lang="en-GB" sz="2400" dirty="0" smtClean="0">
+                        <a:rPr lang="en-GB" sz="2400" dirty="0">
                           <a:effectLst/>
                           <a:latin typeface="Calibri" panose="020F0502020204030204" pitchFamily="34" charset="0"/>
                           <a:ea typeface="Calibri" panose="020F0502020204030204" pitchFamily="34" charset="0"/>
@@ -8127,12 +7833,6 @@
                         </a:rPr>
                         <a:t>Aggregate</a:t>
                       </a:r>
-                      <a:endParaRPr lang="en-GB" sz="2400" dirty="0">
-                        <a:effectLst/>
-                        <a:latin typeface="Calibri" panose="020F0502020204030204" pitchFamily="34" charset="0"/>
-                        <a:ea typeface="Calibri" panose="020F0502020204030204" pitchFamily="34" charset="0"/>
-                        <a:cs typeface="Times New Roman" panose="02020603050405020304" pitchFamily="18" charset="0"/>
-                      </a:endParaRPr>
                     </a:p>
                   </a:txBody>
                   <a:tcPr marL="82954" marR="82954" marT="0" marB="0"/>
@@ -8163,6 +7863,11 @@
                   </a:txBody>
                   <a:tcPr marL="82954" marR="82954" marT="0" marB="0"/>
                 </a:tc>
+                <a:extLst>
+                  <a:ext uri="{0D108BD9-81ED-4DB2-BD59-A6C34878D82A}">
+                    <a16:rowId xmlns:a16="http://schemas.microsoft.com/office/drawing/2014/main" val="10003"/>
+                  </a:ext>
+                </a:extLst>
               </a:tr>
               <a:tr h="546718">
                 <a:tc>
@@ -8217,6 +7922,11 @@
                   </a:txBody>
                   <a:tcPr marL="82954" marR="82954" marT="0" marB="0"/>
                 </a:tc>
+                <a:extLst>
+                  <a:ext uri="{0D108BD9-81ED-4DB2-BD59-A6C34878D82A}">
+                    <a16:rowId xmlns:a16="http://schemas.microsoft.com/office/drawing/2014/main" val="10004"/>
+                  </a:ext>
+                </a:extLst>
               </a:tr>
               <a:tr h="546718">
                 <a:tc>
@@ -8265,30 +7975,17 @@
                           <a:ea typeface="Calibri" panose="020F0502020204030204" pitchFamily="34" charset="0"/>
                           <a:cs typeface="Times New Roman" panose="02020603050405020304" pitchFamily="18" charset="0"/>
                         </a:rPr>
-                        <a:t>Return a virtual table that can be used subsequently in a </a:t>
-                      </a:r>
-                      <a:r>
-                        <a:rPr lang="en-GB" sz="2400" dirty="0" smtClean="0">
-                          <a:effectLst/>
-                          <a:latin typeface="Calibri" panose="020F0502020204030204" pitchFamily="34" charset="0"/>
-                          <a:ea typeface="Calibri" panose="020F0502020204030204" pitchFamily="34" charset="0"/>
-                          <a:cs typeface="Times New Roman" panose="02020603050405020304" pitchFamily="18" charset="0"/>
-                        </a:rPr>
-                        <a:t>Transact-SQL </a:t>
-                      </a:r>
-                      <a:r>
-                        <a:rPr lang="en-GB" sz="2400" dirty="0">
-                          <a:effectLst/>
-                          <a:latin typeface="Calibri" panose="020F0502020204030204" pitchFamily="34" charset="0"/>
-                          <a:ea typeface="Calibri" panose="020F0502020204030204" pitchFamily="34" charset="0"/>
-                          <a:cs typeface="Times New Roman" panose="02020603050405020304" pitchFamily="18" charset="0"/>
-                        </a:rPr>
-                        <a:t>statement</a:t>
+                        <a:t>Return a virtual table that can be used subsequently in a Transact-SQL statement</a:t>
                       </a:r>
                     </a:p>
                   </a:txBody>
                   <a:tcPr marL="82954" marR="82954" marT="0" marB="0"/>
                 </a:tc>
+                <a:extLst>
+                  <a:ext uri="{0D108BD9-81ED-4DB2-BD59-A6C34878D82A}">
+                    <a16:rowId xmlns:a16="http://schemas.microsoft.com/office/drawing/2014/main" val="10005"/>
+                  </a:ext>
+                </a:extLst>
               </a:tr>
             </a:tbl>
           </a:graphicData>
@@ -8304,13 +8001,6 @@
   <p:clrMapOvr>
     <a:masterClrMapping/>
   </p:clrMapOvr>
-  <p:timing>
-    <p:tnLst>
-      <p:par>
-        <p:cTn id="1" dur="indefinite" restart="never" nodeType="tmRoot"/>
-      </p:par>
-    </p:tnLst>
-  </p:timing>
 </p:sld>
 </file>
 
@@ -8380,110 +8070,41 @@
                   <a:srgbClr val="000000"/>
                 </a:solidFill>
               </a:rPr>
-              <a:t>Operate on elements from a </a:t>
-            </a:r>
-            <a:r>
-              <a:rPr lang="en-US" dirty="0" smtClean="0">
+              <a:t>Operate on elements from a single row as inputs, return a single value as output </a:t>
+            </a:r>
+          </a:p>
+          <a:p>
+            <a:pPr lvl="0"/>
+            <a:r>
+              <a:rPr lang="en-US" dirty="0">
                 <a:solidFill>
                   <a:srgbClr val="000000"/>
                 </a:solidFill>
               </a:rPr>
-              <a:t>single row </a:t>
-            </a:r>
+              <a:t>Return a single (scalar) value</a:t>
+            </a:r>
+          </a:p>
+          <a:p>
+            <a:pPr lvl="0"/>
             <a:r>
               <a:rPr lang="en-US" dirty="0">
                 <a:solidFill>
                   <a:srgbClr val="000000"/>
                 </a:solidFill>
               </a:rPr>
-              <a:t>as inputs, return a single </a:t>
-            </a:r>
-            <a:r>
-              <a:rPr lang="en-US" dirty="0" smtClean="0">
+              <a:t>Can be used like an expression in queries</a:t>
+            </a:r>
+          </a:p>
+          <a:p>
+            <a:pPr lvl="0"/>
+            <a:r>
+              <a:rPr lang="en-US" dirty="0">
                 <a:solidFill>
                   <a:srgbClr val="000000"/>
                 </a:solidFill>
               </a:rPr>
-              <a:t>value </a:t>
-            </a:r>
-            <a:r>
-              <a:rPr lang="en-US" dirty="0">
-                <a:solidFill>
-                  <a:srgbClr val="000000"/>
-                </a:solidFill>
-              </a:rPr>
-              <a:t>as output </a:t>
-            </a:r>
-          </a:p>
-          <a:p>
-            <a:pPr lvl="0"/>
-            <a:r>
-              <a:rPr lang="en-US" dirty="0">
-                <a:solidFill>
-                  <a:srgbClr val="000000"/>
-                </a:solidFill>
-              </a:rPr>
-              <a:t>Return a single (scalar) value</a:t>
-            </a:r>
-          </a:p>
-          <a:p>
-            <a:pPr lvl="0"/>
-            <a:r>
-              <a:rPr lang="en-US" dirty="0">
-                <a:solidFill>
-                  <a:srgbClr val="000000"/>
-                </a:solidFill>
-              </a:rPr>
-              <a:t>Can be used like an </a:t>
-            </a:r>
-            <a:r>
-              <a:rPr lang="en-US" dirty="0" smtClean="0">
-                <a:solidFill>
-                  <a:srgbClr val="000000"/>
-                </a:solidFill>
-              </a:rPr>
-              <a:t>expression in </a:t>
-            </a:r>
-            <a:r>
-              <a:rPr lang="en-US" dirty="0">
-                <a:solidFill>
-                  <a:srgbClr val="000000"/>
-                </a:solidFill>
-              </a:rPr>
-              <a:t>queries</a:t>
-            </a:r>
-          </a:p>
-          <a:p>
-            <a:pPr lvl="0"/>
-            <a:r>
-              <a:rPr lang="en-US" dirty="0">
-                <a:solidFill>
-                  <a:srgbClr val="000000"/>
-                </a:solidFill>
-              </a:rPr>
-              <a:t>May be deterministic </a:t>
-            </a:r>
-            <a:r>
-              <a:rPr lang="en-US" dirty="0" smtClean="0">
-                <a:solidFill>
-                  <a:srgbClr val="000000"/>
-                </a:solidFill>
-              </a:rPr>
-              <a:t>or </a:t>
-            </a:r>
-            <a:r>
-              <a:rPr lang="en-US" dirty="0" smtClean="0">
-                <a:solidFill>
-                  <a:srgbClr val="000000"/>
-                </a:solidFill>
-              </a:rPr>
-              <a:t>non-deterministic</a:t>
-            </a:r>
-            <a:endParaRPr lang="en-US" dirty="0">
-              <a:solidFill>
-                <a:srgbClr val="000000"/>
-              </a:solidFill>
-            </a:endParaRPr>
+              <a:t>May be deterministic or non-deterministic</a:t>
+            </a:r>
           </a:p>
         </p:txBody>
       </p:sp>
@@ -9139,7 +8760,7 @@
                 <a:defRPr/>
               </a:pPr>
               <a:r>
-                <a:rPr lang="en-US" b="0" dirty="0" smtClean="0">
+                <a:rPr lang="en-US" b="0" dirty="0">
                   <a:solidFill>
                     <a:srgbClr val="000000"/>
                   </a:solidFill>
@@ -9148,13 +8769,6 @@
                 </a:rPr>
                 <a:t>Mathematical</a:t>
               </a:r>
-              <a:endParaRPr lang="en-US" b="0" dirty="0">
-                <a:solidFill>
-                  <a:srgbClr val="000000"/>
-                </a:solidFill>
-                <a:latin typeface="Segoe UI" panose="020B0502040204020203" pitchFamily="34" charset="0"/>
-                <a:cs typeface="Segoe UI" panose="020B0502040204020203" pitchFamily="34" charset="0"/>
-              </a:endParaRPr>
             </a:p>
             <a:p>
               <a:pPr marL="166688" lvl="0" indent="-166688">
@@ -9581,10 +9195,9 @@
           <a:lstStyle/>
           <a:p>
             <a:r>
-              <a:rPr lang="en-GB" dirty="0" smtClean="0"/>
+              <a:rPr lang="en-GB" dirty="0"/>
               <a:t>Using Scalar Functions</a:t>
             </a:r>
-            <a:endParaRPr lang="en-GB" dirty="0"/>
           </a:p>
         </p:txBody>
       </p:sp>
@@ -9598,13 +9211,6 @@
   <p:clrMapOvr>
     <a:masterClrMapping/>
   </p:clrMapOvr>
-  <p:timing>
-    <p:tnLst>
-      <p:par>
-        <p:cTn id="1" dur="indefinite" restart="never" nodeType="tmRoot"/>
-      </p:par>
-    </p:tnLst>
-  </p:timing>
 </p:sld>
 </file>
 
@@ -9672,34 +9278,33 @@
               <a:buNone/>
             </a:pPr>
             <a:r>
-              <a:rPr lang="en-US" dirty="0" smtClean="0"/>
+              <a:rPr lang="en-US" dirty="0"/>
               <a:t>Output is determined by comparative logic</a:t>
             </a:r>
           </a:p>
           <a:p>
             <a:r>
-              <a:rPr lang="en-US" dirty="0" smtClean="0"/>
+              <a:rPr lang="en-US" dirty="0"/>
               <a:t>ISNUMERIC</a:t>
             </a:r>
           </a:p>
           <a:p>
-            <a:endParaRPr lang="en-US" dirty="0" smtClean="0"/>
-          </a:p>
-          <a:p>
-            <a:r>
-              <a:rPr lang="en-US" dirty="0" smtClean="0"/>
+            <a:endParaRPr lang="en-US" dirty="0"/>
+          </a:p>
+          <a:p>
+            <a:r>
+              <a:rPr lang="en-US" dirty="0"/>
               <a:t>IIF</a:t>
             </a:r>
           </a:p>
           <a:p>
-            <a:endParaRPr lang="en-US" dirty="0" smtClean="0"/>
-          </a:p>
-          <a:p>
-            <a:r>
-              <a:rPr lang="en-US" dirty="0" smtClean="0"/>
+            <a:endParaRPr lang="en-US" dirty="0"/>
+          </a:p>
+          <a:p>
+            <a:r>
+              <a:rPr lang="en-US" dirty="0"/>
               <a:t>CHOOSE</a:t>
             </a:r>
-            <a:endParaRPr lang="en-US" dirty="0"/>
           </a:p>
         </p:txBody>
       </p:sp>
@@ -9769,17 +9374,17 @@
                 <a:latin typeface="Lucida Sans Unicode" panose="020B0602030504020204" pitchFamily="34" charset="0"/>
                 <a:cs typeface="Lucida Sans Unicode" panose="020B0602030504020204" pitchFamily="34" charset="0"/>
               </a:rPr>
-              <a:t>SELECT </a:t>
-            </a:r>
-            <a:r>
-              <a:rPr lang="en-US" sz="2000" kern="0" dirty="0" smtClean="0">
+              <a:t>SELECT ISNUMERIC('101.99') AS </a:t>
+            </a:r>
+            <a:r>
+              <a:rPr lang="en-US" sz="2000" kern="0" dirty="0" err="1">
                 <a:solidFill>
                   <a:srgbClr val="000000"/>
                 </a:solidFill>
                 <a:latin typeface="Lucida Sans Unicode" panose="020B0602030504020204" pitchFamily="34" charset="0"/>
                 <a:cs typeface="Lucida Sans Unicode" panose="020B0602030504020204" pitchFamily="34" charset="0"/>
               </a:rPr>
-              <a:t>ISNUMERIC('101.99') </a:t>
+              <a:t>Is_a_Number</a:t>
             </a:r>
             <a:r>
               <a:rPr lang="en-US" sz="2000" kern="0" dirty="0">
@@ -9789,35 +9394,8 @@
                 <a:latin typeface="Lucida Sans Unicode" panose="020B0602030504020204" pitchFamily="34" charset="0"/>
                 <a:cs typeface="Lucida Sans Unicode" panose="020B0602030504020204" pitchFamily="34" charset="0"/>
               </a:rPr>
-              <a:t>AS </a:t>
-            </a:r>
-            <a:r>
-              <a:rPr lang="en-US" sz="2000" kern="0" dirty="0" err="1" smtClean="0">
-                <a:solidFill>
-                  <a:srgbClr val="000000"/>
-                </a:solidFill>
-                <a:latin typeface="Lucida Sans Unicode" panose="020B0602030504020204" pitchFamily="34" charset="0"/>
-                <a:cs typeface="Lucida Sans Unicode" panose="020B0602030504020204" pitchFamily="34" charset="0"/>
-              </a:rPr>
-              <a:t>Is_a_Number</a:t>
-            </a:r>
-            <a:r>
-              <a:rPr lang="en-US" sz="2000" kern="0" dirty="0" smtClean="0">
-                <a:solidFill>
-                  <a:srgbClr val="000000"/>
-                </a:solidFill>
-                <a:latin typeface="Lucida Sans Unicode" panose="020B0602030504020204" pitchFamily="34" charset="0"/>
-                <a:cs typeface="Lucida Sans Unicode" panose="020B0602030504020204" pitchFamily="34" charset="0"/>
-              </a:rPr>
               <a:t>;</a:t>
             </a:r>
-            <a:endParaRPr lang="en-US" sz="2000" kern="0" dirty="0">
-              <a:solidFill>
-                <a:srgbClr val="000000"/>
-              </a:solidFill>
-              <a:latin typeface="Lucida Sans Unicode" panose="020B0602030504020204" pitchFamily="34" charset="0"/>
-              <a:cs typeface="Lucida Sans Unicode" panose="020B0602030504020204" pitchFamily="34" charset="0"/>
-            </a:endParaRPr>
           </a:p>
         </p:txBody>
       </p:sp>
@@ -9890,7 +9468,7 @@
               <a:t>SELECT </a:t>
             </a:r>
             <a:r>
-              <a:rPr lang="en-US" sz="2000" kern="0" dirty="0" err="1" smtClean="0">
+              <a:rPr lang="en-US" sz="2000" kern="0" dirty="0" err="1">
                 <a:solidFill>
                   <a:srgbClr val="000000"/>
                 </a:solidFill>
@@ -9927,50 +9505,30 @@
                 <a:latin typeface="Lucida Sans Unicode" panose="020B0602030504020204" pitchFamily="34" charset="0"/>
                 <a:cs typeface="Lucida Sans Unicode" panose="020B0602030504020204" pitchFamily="34" charset="0"/>
               </a:rPr>
-              <a:t>, </a:t>
-            </a:r>
-            <a:r>
-              <a:rPr lang="en-US" sz="2000" kern="0" dirty="0" smtClean="0">
+              <a:t>, IIF(</a:t>
+            </a:r>
+            <a:r>
+              <a:rPr lang="en-US" sz="2000" kern="0" dirty="0" err="1">
                 <a:solidFill>
                   <a:srgbClr val="000000"/>
                 </a:solidFill>
                 <a:latin typeface="Lucida Sans Unicode" panose="020B0602030504020204" pitchFamily="34" charset="0"/>
                 <a:cs typeface="Lucida Sans Unicode" panose="020B0602030504020204" pitchFamily="34" charset="0"/>
               </a:rPr>
-              <a:t>IIF(</a:t>
-            </a:r>
-            <a:r>
-              <a:rPr lang="en-US" sz="2000" kern="0" dirty="0" err="1" smtClean="0">
+              <a:t>listprice</a:t>
+            </a:r>
+            <a:r>
+              <a:rPr lang="en-US" sz="2000" kern="0" dirty="0">
                 <a:solidFill>
                   <a:srgbClr val="000000"/>
                 </a:solidFill>
                 <a:latin typeface="Lucida Sans Unicode" panose="020B0602030504020204" pitchFamily="34" charset="0"/>
                 <a:cs typeface="Lucida Sans Unicode" panose="020B0602030504020204" pitchFamily="34" charset="0"/>
               </a:rPr>
-              <a:t>listprice</a:t>
-            </a:r>
-            <a:r>
-              <a:rPr lang="en-US" sz="2000" kern="0" dirty="0" smtClean="0">
-                <a:solidFill>
-                  <a:srgbClr val="000000"/>
-                </a:solidFill>
-                <a:latin typeface="Lucida Sans Unicode" panose="020B0602030504020204" pitchFamily="34" charset="0"/>
-                <a:cs typeface="Lucida Sans Unicode" panose="020B0602030504020204" pitchFamily="34" charset="0"/>
-              </a:rPr>
-              <a:t> </a:t>
-            </a:r>
-            <a:r>
-              <a:rPr lang="en-US" sz="2000" kern="0" dirty="0">
-                <a:solidFill>
-                  <a:srgbClr val="000000"/>
-                </a:solidFill>
-                <a:latin typeface="Lucida Sans Unicode" panose="020B0602030504020204" pitchFamily="34" charset="0"/>
-                <a:cs typeface="Lucida Sans Unicode" panose="020B0602030504020204" pitchFamily="34" charset="0"/>
-              </a:rPr>
-              <a:t>&gt; 50, 'high','low') AS </a:t>
-            </a:r>
-            <a:r>
-              <a:rPr lang="en-US" sz="2000" kern="0" dirty="0" err="1" smtClean="0">
+              <a:t> &gt; 50, 'high','low') AS </a:t>
+            </a:r>
+            <a:r>
+              <a:rPr lang="en-US" sz="2000" kern="0" dirty="0" err="1">
                 <a:solidFill>
                   <a:srgbClr val="000000"/>
                 </a:solidFill>
@@ -10013,7 +9571,7 @@
               <a:t>FROM </a:t>
             </a:r>
             <a:r>
-              <a:rPr lang="en-US" sz="2000" kern="0" dirty="0" err="1" smtClean="0">
+              <a:rPr lang="en-US" sz="2000" kern="0" dirty="0" err="1">
                 <a:solidFill>
                   <a:srgbClr val="000000"/>
                 </a:solidFill>
@@ -10104,7 +9662,7 @@
               <a:t>SELECT </a:t>
             </a:r>
             <a:r>
-              <a:rPr lang="en-US" sz="2000" kern="0" dirty="0" err="1" smtClean="0">
+              <a:rPr lang="en-US" sz="2000" kern="0" dirty="0" err="1">
                 <a:solidFill>
                   <a:srgbClr val="000000"/>
                 </a:solidFill>
@@ -10114,7 +9672,7 @@
               <a:t>ProductName</a:t>
             </a:r>
             <a:r>
-              <a:rPr lang="en-US" sz="2000" kern="0" dirty="0" smtClean="0">
+              <a:rPr lang="en-US" sz="2000" kern="0" dirty="0">
                 <a:solidFill>
                   <a:srgbClr val="000000"/>
                 </a:solidFill>
@@ -10140,74 +9698,54 @@
               </a:tabLst>
             </a:pPr>
             <a:r>
-              <a:rPr lang="en-US" sz="2000" kern="0" dirty="0" smtClean="0">
+              <a:rPr lang="en-US" sz="2000" kern="0" dirty="0">
                 <a:solidFill>
                   <a:srgbClr val="000000"/>
                 </a:solidFill>
                 <a:latin typeface="Lucida Sans Unicode" panose="020B0602030504020204" pitchFamily="34" charset="0"/>
                 <a:cs typeface="Lucida Sans Unicode" panose="020B0602030504020204" pitchFamily="34" charset="0"/>
               </a:rPr>
-              <a:t>  	      CHOOSE </a:t>
-            </a:r>
-            <a:r>
-              <a:rPr lang="en-US" sz="2000" kern="0" dirty="0">
+              <a:t>  	      CHOOSE (</a:t>
+            </a:r>
+            <a:r>
+              <a:rPr lang="en-US" sz="2000" kern="0" dirty="0" err="1">
                 <a:solidFill>
                   <a:srgbClr val="000000"/>
                 </a:solidFill>
                 <a:latin typeface="Lucida Sans Unicode" panose="020B0602030504020204" pitchFamily="34" charset="0"/>
                 <a:cs typeface="Lucida Sans Unicode" panose="020B0602030504020204" pitchFamily="34" charset="0"/>
               </a:rPr>
-              <a:t>(</a:t>
-            </a:r>
-            <a:r>
-              <a:rPr lang="en-US" sz="2000" kern="0" dirty="0" err="1">
+              <a:t>ProductCategoryID</a:t>
+            </a:r>
+            <a:r>
+              <a:rPr lang="en-US" sz="2000" kern="0" dirty="0">
                 <a:solidFill>
                   <a:srgbClr val="000000"/>
                 </a:solidFill>
                 <a:latin typeface="Lucida Sans Unicode" panose="020B0602030504020204" pitchFamily="34" charset="0"/>
                 <a:cs typeface="Lucida Sans Unicode" panose="020B0602030504020204" pitchFamily="34" charset="0"/>
               </a:rPr>
-              <a:t>ProductCategoryID</a:t>
-            </a:r>
-            <a:r>
-              <a:rPr lang="en-US" sz="2000" kern="0" dirty="0">
+              <a:t>, '</a:t>
+            </a:r>
+            <a:r>
+              <a:rPr lang="en-US" sz="2000" kern="0" dirty="0" err="1">
                 <a:solidFill>
                   <a:srgbClr val="000000"/>
                 </a:solidFill>
                 <a:latin typeface="Lucida Sans Unicode" panose="020B0602030504020204" pitchFamily="34" charset="0"/>
                 <a:cs typeface="Lucida Sans Unicode" panose="020B0602030504020204" pitchFamily="34" charset="0"/>
               </a:rPr>
-              <a:t>, '</a:t>
-            </a:r>
-            <a:r>
-              <a:rPr lang="en-US" sz="2000" kern="0" dirty="0" err="1">
+              <a:t>Bikes','Components','Clothing','Accessories</a:t>
+            </a:r>
+            <a:r>
+              <a:rPr lang="en-US" sz="2000" kern="0" dirty="0">
                 <a:solidFill>
                   <a:srgbClr val="000000"/>
                 </a:solidFill>
                 <a:latin typeface="Lucida Sans Unicode" panose="020B0602030504020204" pitchFamily="34" charset="0"/>
                 <a:cs typeface="Lucida Sans Unicode" panose="020B0602030504020204" pitchFamily="34" charset="0"/>
               </a:rPr>
-              <a:t>Bikes','Components','Clothing','Accessories</a:t>
-            </a:r>
-            <a:r>
-              <a:rPr lang="en-US" sz="2000" kern="0" dirty="0" smtClean="0">
-                <a:solidFill>
-                  <a:srgbClr val="000000"/>
-                </a:solidFill>
-                <a:latin typeface="Lucida Sans Unicode" panose="020B0602030504020204" pitchFamily="34" charset="0"/>
-                <a:cs typeface="Lucida Sans Unicode" panose="020B0602030504020204" pitchFamily="34" charset="0"/>
-              </a:rPr>
-              <a:t>') </a:t>
-            </a:r>
-            <a:r>
-              <a:rPr lang="en-US" sz="2000" kern="0" dirty="0">
-                <a:solidFill>
-                  <a:srgbClr val="000000"/>
-                </a:solidFill>
-                <a:latin typeface="Lucida Sans Unicode" panose="020B0602030504020204" pitchFamily="34" charset="0"/>
-                <a:cs typeface="Lucida Sans Unicode" panose="020B0602030504020204" pitchFamily="34" charset="0"/>
-              </a:rPr>
-              <a:t>AS Category</a:t>
+              <a:t>') AS Category</a:t>
             </a:r>
           </a:p>
           <a:p>
@@ -10236,7 +9774,7 @@
               <a:t>FROM </a:t>
             </a:r>
             <a:r>
-              <a:rPr lang="en-US" sz="2000" kern="0" dirty="0" err="1" smtClean="0">
+              <a:rPr lang="en-US" sz="2000" kern="0" dirty="0" err="1">
                 <a:solidFill>
                   <a:srgbClr val="000000"/>
                 </a:solidFill>
@@ -10246,7 +9784,7 @@
               <a:t>Production.Product</a:t>
             </a:r>
             <a:r>
-              <a:rPr lang="en-US" sz="2000" kern="0" dirty="0" smtClean="0">
+              <a:rPr lang="en-US" sz="2000" kern="0" dirty="0">
                 <a:solidFill>
                   <a:srgbClr val="000000"/>
                 </a:solidFill>
@@ -10255,13 +9793,6 @@
               </a:rPr>
               <a:t>;</a:t>
             </a:r>
-            <a:endParaRPr lang="en-US" sz="2000" kern="0" dirty="0">
-              <a:solidFill>
-                <a:srgbClr val="000000"/>
-              </a:solidFill>
-              <a:latin typeface="Lucida Sans Unicode" panose="020B0602030504020204" pitchFamily="34" charset="0"/>
-              <a:cs typeface="Lucida Sans Unicode" panose="020B0602030504020204" pitchFamily="34" charset="0"/>
-            </a:endParaRPr>
           </a:p>
         </p:txBody>
       </p:sp>
@@ -10624,10 +10155,9 @@
           <a:lstStyle/>
           <a:p>
             <a:r>
-              <a:rPr lang="en-GB" dirty="0" smtClean="0"/>
+              <a:rPr lang="en-GB" dirty="0"/>
               <a:t>Using Logical Functions</a:t>
             </a:r>
-            <a:endParaRPr lang="en-GB" dirty="0"/>
           </a:p>
         </p:txBody>
       </p:sp>
@@ -10641,13 +10171,6 @@
   <p:clrMapOvr>
     <a:masterClrMapping/>
   </p:clrMapOvr>
-  <p:timing>
-    <p:tnLst>
-      <p:par>
-        <p:cTn id="1" dur="indefinite" restart="never" nodeType="tmRoot"/>
-      </p:par>
-    </p:tnLst>
-  </p:timing>
 </p:sld>
 </file>
 
@@ -10802,47 +10325,27 @@
                 <a:latin typeface="Lucida Sans Unicode" panose="020B0602030504020204" pitchFamily="34" charset="0"/>
                 <a:cs typeface="Lucida Sans Unicode" panose="020B0602030504020204" pitchFamily="34" charset="0"/>
               </a:rPr>
-              <a:t>SELECT </a:t>
-            </a:r>
-            <a:r>
-              <a:rPr lang="en-US" sz="2000" kern="0" dirty="0" smtClean="0">
+              <a:t>SELECT TOP(3) </a:t>
+            </a:r>
+            <a:r>
+              <a:rPr lang="en-US" sz="2000" kern="0" dirty="0" err="1">
                 <a:solidFill>
                   <a:srgbClr val="000000"/>
                 </a:solidFill>
                 <a:latin typeface="Lucida Sans Unicode" panose="020B0602030504020204" pitchFamily="34" charset="0"/>
                 <a:cs typeface="Lucida Sans Unicode" panose="020B0602030504020204" pitchFamily="34" charset="0"/>
               </a:rPr>
-              <a:t>TOP(3) </a:t>
-            </a:r>
-            <a:r>
-              <a:rPr lang="en-US" sz="2000" kern="0" dirty="0" err="1" smtClean="0">
+              <a:t>ProductID</a:t>
+            </a:r>
+            <a:r>
+              <a:rPr lang="en-US" sz="2000" kern="0" dirty="0">
                 <a:solidFill>
                   <a:srgbClr val="000000"/>
                 </a:solidFill>
                 <a:latin typeface="Lucida Sans Unicode" panose="020B0602030504020204" pitchFamily="34" charset="0"/>
                 <a:cs typeface="Lucida Sans Unicode" panose="020B0602030504020204" pitchFamily="34" charset="0"/>
               </a:rPr>
-              <a:t>ProductID</a:t>
-            </a:r>
-            <a:r>
-              <a:rPr lang="en-US" sz="2000" kern="0" dirty="0" smtClean="0">
-                <a:solidFill>
-                  <a:srgbClr val="000000"/>
-                </a:solidFill>
-                <a:latin typeface="Lucida Sans Unicode" panose="020B0602030504020204" pitchFamily="34" charset="0"/>
-                <a:cs typeface="Lucida Sans Unicode" panose="020B0602030504020204" pitchFamily="34" charset="0"/>
-              </a:rPr>
-              <a:t>, </a:t>
-            </a:r>
-            <a:r>
-              <a:rPr lang="en-US" sz="2000" kern="0" dirty="0">
-                <a:solidFill>
-                  <a:srgbClr val="000000"/>
-                </a:solidFill>
-                <a:latin typeface="Lucida Sans Unicode" panose="020B0602030504020204" pitchFamily="34" charset="0"/>
-                <a:cs typeface="Lucida Sans Unicode" panose="020B0602030504020204" pitchFamily="34" charset="0"/>
-              </a:rPr>
-              <a:t>Name, </a:t>
+              <a:t>, Name, </a:t>
             </a:r>
             <a:r>
               <a:rPr lang="en-US" sz="2000" kern="0" dirty="0" err="1">
@@ -10908,20 +10411,10 @@
                 <a:latin typeface="Lucida Sans Unicode" panose="020B0602030504020204" pitchFamily="34" charset="0"/>
                 <a:cs typeface="Lucida Sans Unicode" panose="020B0602030504020204" pitchFamily="34" charset="0"/>
               </a:rPr>
-              <a:t> DESC) </a:t>
-            </a:r>
-            <a:r>
-              <a:rPr lang="en-US" sz="2000" kern="0" dirty="0" smtClean="0">
-                <a:solidFill>
-                  <a:srgbClr val="000000"/>
-                </a:solidFill>
-                <a:latin typeface="Lucida Sans Unicode" panose="020B0602030504020204" pitchFamily="34" charset="0"/>
-                <a:cs typeface="Lucida Sans Unicode" panose="020B0602030504020204" pitchFamily="34" charset="0"/>
-              </a:rPr>
-              <a:t>AS </a:t>
-            </a:r>
-            <a:r>
-              <a:rPr lang="en-US" sz="2000" kern="0" dirty="0" err="1" smtClean="0">
+              <a:t> DESC) AS </a:t>
+            </a:r>
+            <a:r>
+              <a:rPr lang="en-US" sz="2000" kern="0" dirty="0" err="1">
                 <a:solidFill>
                   <a:srgbClr val="000000"/>
                 </a:solidFill>
@@ -10964,7 +10457,7 @@
               <a:t>FROM </a:t>
             </a:r>
             <a:r>
-              <a:rPr lang="en-US" sz="2000" kern="0" dirty="0" err="1" smtClean="0">
+              <a:rPr lang="en-US" sz="2000" kern="0" dirty="0" err="1">
                 <a:solidFill>
                   <a:srgbClr val="000000"/>
                 </a:solidFill>
@@ -11007,7 +10500,7 @@
               <a:t>ORDER BY </a:t>
             </a:r>
             <a:r>
-              <a:rPr lang="en-US" sz="2000" kern="0" dirty="0" err="1" smtClean="0">
+              <a:rPr lang="en-US" sz="2000" kern="0" dirty="0" err="1">
                 <a:solidFill>
                   <a:srgbClr val="000000"/>
                 </a:solidFill>
@@ -11038,7 +10531,7 @@
           <p:nvPr>
             <p:extLst>
               <p:ext uri="{D42A27DB-BD31-4B8C-83A1-F6EECF244321}">
-                <p14:modId xmlns:p14="http://schemas.microsoft.com/office/powerpoint/2010/main" val="1123264984"/>
+                <p14:modId xmlns:p14="http://schemas.microsoft.com/office/powerpoint/2010/main" val="3839637131"/>
               </p:ext>
             </p:extLst>
           </p:nvPr>
@@ -11054,10 +10547,34 @@
                 <a:tableStyleId>{5C22544A-7EE6-4342-B048-85BDC9FD1C3A}</a:tableStyleId>
               </a:tblPr>
               <a:tblGrid>
-                <a:gridCol w="2032000"/>
-                <a:gridCol w="2032000"/>
-                <a:gridCol w="2032000"/>
-                <a:gridCol w="2032000"/>
+                <a:gridCol w="2032000">
+                  <a:extLst>
+                    <a:ext uri="{9D8B030D-6E8A-4147-A177-3AD203B41FA5}">
+                      <a16:colId xmlns:a16="http://schemas.microsoft.com/office/drawing/2014/main" val="20000"/>
+                    </a:ext>
+                  </a:extLst>
+                </a:gridCol>
+                <a:gridCol w="2032000">
+                  <a:extLst>
+                    <a:ext uri="{9D8B030D-6E8A-4147-A177-3AD203B41FA5}">
+                      <a16:colId xmlns:a16="http://schemas.microsoft.com/office/drawing/2014/main" val="20001"/>
+                    </a:ext>
+                  </a:extLst>
+                </a:gridCol>
+                <a:gridCol w="2032000">
+                  <a:extLst>
+                    <a:ext uri="{9D8B030D-6E8A-4147-A177-3AD203B41FA5}">
+                      <a16:colId xmlns:a16="http://schemas.microsoft.com/office/drawing/2014/main" val="20002"/>
+                    </a:ext>
+                  </a:extLst>
+                </a:gridCol>
+                <a:gridCol w="2032000">
+                  <a:extLst>
+                    <a:ext uri="{9D8B030D-6E8A-4147-A177-3AD203B41FA5}">
+                      <a16:colId xmlns:a16="http://schemas.microsoft.com/office/drawing/2014/main" val="20003"/>
+                    </a:ext>
+                  </a:extLst>
+                </a:gridCol>
               </a:tblGrid>
               <a:tr h="370840">
                 <a:tc>
@@ -11066,7 +10583,7 @@
                     <a:lstStyle/>
                     <a:p>
                       <a:r>
-                        <a:rPr lang="en-GB" dirty="0" err="1" smtClean="0"/>
+                        <a:rPr lang="en-GB" dirty="0" err="1"/>
                         <a:t>ProductID</a:t>
                       </a:r>
                       <a:endParaRPr lang="en-GB" dirty="0"/>
@@ -11080,8 +10597,21 @@
                     <a:lstStyle/>
                     <a:p>
                       <a:r>
-                        <a:rPr lang="en-GB" dirty="0" err="1" smtClean="0"/>
-                        <a:t>ProductName</a:t>
+                        <a:rPr lang="en-GB" dirty="0"/>
+                        <a:t>Name</a:t>
+                      </a:r>
+                    </a:p>
+                  </a:txBody>
+                  <a:tcPr/>
+                </a:tc>
+                <a:tc>
+                  <a:txBody>
+                    <a:bodyPr/>
+                    <a:lstStyle/>
+                    <a:p>
+                      <a:r>
+                        <a:rPr lang="en-GB" dirty="0" err="1"/>
+                        <a:t>ListPrice</a:t>
                       </a:r>
                       <a:endParaRPr lang="en-GB" dirty="0"/>
                     </a:p>
@@ -11094,10 +10624,30 @@
                     <a:lstStyle/>
                     <a:p>
                       <a:r>
-                        <a:rPr lang="en-GB" dirty="0" err="1" smtClean="0"/>
-                        <a:t>UnitPrice</a:t>
+                        <a:rPr lang="en-GB" dirty="0" err="1"/>
+                        <a:t>RankByPrice</a:t>
                       </a:r>
                       <a:endParaRPr lang="en-GB" dirty="0"/>
+                    </a:p>
+                  </a:txBody>
+                  <a:tcPr/>
+                </a:tc>
+                <a:extLst>
+                  <a:ext uri="{0D108BD9-81ED-4DB2-BD59-A6C34878D82A}">
+                    <a16:rowId xmlns:a16="http://schemas.microsoft.com/office/drawing/2014/main" val="10000"/>
+                  </a:ext>
+                </a:extLst>
+              </a:tr>
+              <a:tr h="370840">
+                <a:tc>
+                  <a:txBody>
+                    <a:bodyPr/>
+                    <a:lstStyle/>
+                    <a:p>
+                      <a:r>
+                        <a:rPr lang="en-GB" dirty="0"/>
+                        <a:t>8</a:t>
+                      </a:r>
                     </a:p>
                   </a:txBody>
                   <a:tcPr/>
@@ -11108,26 +10658,9 @@
                     <a:lstStyle/>
                     <a:p>
                       <a:r>
-                        <a:rPr lang="en-GB" dirty="0" err="1" smtClean="0"/>
-                        <a:t>RankByPrice</a:t>
+                        <a:rPr lang="en-GB" dirty="0"/>
+                        <a:t>Gizmo</a:t>
                       </a:r>
-                      <a:endParaRPr lang="en-GB" dirty="0"/>
-                    </a:p>
-                  </a:txBody>
-                  <a:tcPr/>
-                </a:tc>
-              </a:tr>
-              <a:tr h="370840">
-                <a:tc>
-                  <a:txBody>
-                    <a:bodyPr/>
-                    <a:lstStyle/>
-                    <a:p>
-                      <a:r>
-                        <a:rPr lang="en-GB" dirty="0" smtClean="0"/>
-                        <a:t>8</a:t>
-                      </a:r>
-                      <a:endParaRPr lang="en-GB" dirty="0"/>
                     </a:p>
                   </a:txBody>
                   <a:tcPr/>
@@ -11138,10 +10671,9 @@
                     <a:lstStyle/>
                     <a:p>
                       <a:r>
-                        <a:rPr lang="en-GB" dirty="0" smtClean="0"/>
-                        <a:t>Gizmo</a:t>
+                        <a:rPr lang="en-GB" dirty="0"/>
+                        <a:t>263.50</a:t>
                       </a:r>
-                      <a:endParaRPr lang="en-GB" dirty="0"/>
                     </a:p>
                   </a:txBody>
                   <a:tcPr/>
@@ -11152,10 +10684,29 @@
                     <a:lstStyle/>
                     <a:p>
                       <a:r>
-                        <a:rPr lang="en-GB" dirty="0" smtClean="0"/>
-                        <a:t>263.50</a:t>
+                        <a:rPr lang="en-GB" dirty="0"/>
+                        <a:t>1</a:t>
                       </a:r>
-                      <a:endParaRPr lang="en-GB" dirty="0"/>
+                    </a:p>
+                  </a:txBody>
+                  <a:tcPr/>
+                </a:tc>
+                <a:extLst>
+                  <a:ext uri="{0D108BD9-81ED-4DB2-BD59-A6C34878D82A}">
+                    <a16:rowId xmlns:a16="http://schemas.microsoft.com/office/drawing/2014/main" val="10001"/>
+                  </a:ext>
+                </a:extLst>
+              </a:tr>
+              <a:tr h="370840">
+                <a:tc>
+                  <a:txBody>
+                    <a:bodyPr/>
+                    <a:lstStyle/>
+                    <a:p>
+                      <a:r>
+                        <a:rPr lang="en-GB" dirty="0"/>
+                        <a:t>29</a:t>
+                      </a:r>
                     </a:p>
                   </a:txBody>
                   <a:tcPr/>
@@ -11166,26 +10717,9 @@
                     <a:lstStyle/>
                     <a:p>
                       <a:r>
-                        <a:rPr lang="en-GB" dirty="0" smtClean="0"/>
-                        <a:t>1</a:t>
+                        <a:rPr lang="en-GB" dirty="0"/>
+                        <a:t>Widget</a:t>
                       </a:r>
-                      <a:endParaRPr lang="en-GB" dirty="0"/>
-                    </a:p>
-                  </a:txBody>
-                  <a:tcPr/>
-                </a:tc>
-              </a:tr>
-              <a:tr h="370840">
-                <a:tc>
-                  <a:txBody>
-                    <a:bodyPr/>
-                    <a:lstStyle/>
-                    <a:p>
-                      <a:r>
-                        <a:rPr lang="en-GB" dirty="0" smtClean="0"/>
-                        <a:t>29</a:t>
-                      </a:r>
-                      <a:endParaRPr lang="en-GB" dirty="0"/>
                     </a:p>
                   </a:txBody>
                   <a:tcPr/>
@@ -11196,10 +10730,9 @@
                     <a:lstStyle/>
                     <a:p>
                       <a:r>
-                        <a:rPr lang="en-GB" dirty="0" smtClean="0"/>
-                        <a:t>Widget</a:t>
+                        <a:rPr lang="en-GB" dirty="0"/>
+                        <a:t>123.79</a:t>
                       </a:r>
-                      <a:endParaRPr lang="en-GB" dirty="0"/>
                     </a:p>
                   </a:txBody>
                   <a:tcPr/>
@@ -11210,10 +10743,29 @@
                     <a:lstStyle/>
                     <a:p>
                       <a:r>
-                        <a:rPr lang="en-GB" dirty="0" smtClean="0"/>
-                        <a:t>123.79</a:t>
+                        <a:rPr lang="en-GB" dirty="0"/>
+                        <a:t>2</a:t>
                       </a:r>
-                      <a:endParaRPr lang="en-GB" dirty="0"/>
+                    </a:p>
+                  </a:txBody>
+                  <a:tcPr/>
+                </a:tc>
+                <a:extLst>
+                  <a:ext uri="{0D108BD9-81ED-4DB2-BD59-A6C34878D82A}">
+                    <a16:rowId xmlns:a16="http://schemas.microsoft.com/office/drawing/2014/main" val="10002"/>
+                  </a:ext>
+                </a:extLst>
+              </a:tr>
+              <a:tr h="370840">
+                <a:tc>
+                  <a:txBody>
+                    <a:bodyPr/>
+                    <a:lstStyle/>
+                    <a:p>
+                      <a:r>
+                        <a:rPr lang="en-GB" dirty="0"/>
+                        <a:t>9</a:t>
+                      </a:r>
                     </a:p>
                   </a:txBody>
                   <a:tcPr/>
@@ -11224,37 +10776,7 @@
                     <a:lstStyle/>
                     <a:p>
                       <a:r>
-                        <a:rPr lang="en-GB" dirty="0" smtClean="0"/>
-                        <a:t>2</a:t>
-                      </a:r>
-                      <a:endParaRPr lang="en-GB" dirty="0"/>
-                    </a:p>
-                  </a:txBody>
-                  <a:tcPr/>
-                </a:tc>
-              </a:tr>
-              <a:tr h="370840">
-                <a:tc>
-                  <a:txBody>
-                    <a:bodyPr/>
-                    <a:lstStyle/>
-                    <a:p>
-                      <a:r>
-                        <a:rPr lang="en-GB" dirty="0" smtClean="0"/>
-                        <a:t>9</a:t>
-                      </a:r>
-                      <a:endParaRPr lang="en-GB" dirty="0"/>
-                    </a:p>
-                  </a:txBody>
-                  <a:tcPr/>
-                </a:tc>
-                <a:tc>
-                  <a:txBody>
-                    <a:bodyPr/>
-                    <a:lstStyle/>
-                    <a:p>
-                      <a:r>
-                        <a:rPr lang="en-GB" dirty="0" err="1" smtClean="0"/>
+                        <a:rPr lang="en-GB" dirty="0" err="1"/>
                         <a:t>Thingybob</a:t>
                       </a:r>
                       <a:endParaRPr lang="en-GB" dirty="0"/>
@@ -11268,10 +10790,9 @@
                     <a:lstStyle/>
                     <a:p>
                       <a:r>
-                        <a:rPr lang="en-GB" dirty="0" smtClean="0"/>
+                        <a:rPr lang="en-GB" dirty="0"/>
                         <a:t>97.00</a:t>
                       </a:r>
-                      <a:endParaRPr lang="en-GB" dirty="0"/>
                     </a:p>
                   </a:txBody>
                   <a:tcPr/>
@@ -11282,14 +10803,18 @@
                     <a:lstStyle/>
                     <a:p>
                       <a:r>
-                        <a:rPr lang="en-GB" dirty="0" smtClean="0"/>
+                        <a:rPr lang="en-GB" dirty="0"/>
                         <a:t>3</a:t>
                       </a:r>
-                      <a:endParaRPr lang="en-GB" dirty="0"/>
                     </a:p>
                   </a:txBody>
                   <a:tcPr/>
                 </a:tc>
+                <a:extLst>
+                  <a:ext uri="{0D108BD9-81ED-4DB2-BD59-A6C34878D82A}">
+                    <a16:rowId xmlns:a16="http://schemas.microsoft.com/office/drawing/2014/main" val="10003"/>
+                  </a:ext>
+                </a:extLst>
               </a:tr>
             </a:tbl>
           </a:graphicData>
@@ -11619,10 +11144,9 @@
           <a:lstStyle/>
           <a:p>
             <a:r>
-              <a:rPr lang="en-GB" dirty="0" smtClean="0"/>
+              <a:rPr lang="en-GB" dirty="0"/>
               <a:t>Using Window Functions</a:t>
             </a:r>
-            <a:endParaRPr lang="en-GB" dirty="0"/>
           </a:p>
         </p:txBody>
       </p:sp>
@@ -11636,13 +11160,6 @@
   <p:clrMapOvr>
     <a:masterClrMapping/>
   </p:clrMapOvr>
-  <p:timing>
-    <p:tnLst>
-      <p:par>
-        <p:cTn id="1" dur="indefinite" restart="never" nodeType="tmRoot"/>
-      </p:par>
-    </p:tnLst>
-  </p:timing>
 </p:sld>
 </file>
 
@@ -12454,21 +11971,6 @@
 </file>
 
 <file path=customXml/item1.xml><?xml version="1.0" encoding="utf-8"?>
-<p:properties xmlns:p="http://schemas.microsoft.com/office/2006/metadata/properties" xmlns:xsi="http://www.w3.org/2001/XMLSchema-instance" xmlns:pc="http://schemas.microsoft.com/office/infopath/2007/PartnerControls">
-  <documentManagement/>
-</p:properties>
-</file>
-
-<file path=customXml/item2.xml><?xml version="1.0" encoding="utf-8"?>
-<?mso-contentType ?>
-<FormTemplates xmlns="http://schemas.microsoft.com/sharepoint/v3/contenttype/forms">
-  <Display>DocumentLibraryForm</Display>
-  <Edit>DocumentLibraryForm</Edit>
-  <New>DocumentLibraryForm</New>
-</FormTemplates>
-</file>
-
-<file path=customXml/item3.xml><?xml version="1.0" encoding="utf-8"?>
 <ct:contentTypeSchema xmlns:ct="http://schemas.microsoft.com/office/2006/metadata/contentType" xmlns:ma="http://schemas.microsoft.com/office/2006/metadata/properties/metaAttributes" ct:_="" ma:_="" ma:contentTypeName="Document" ma:contentTypeID="0x010100391E57C78B9F604FB8BAD296D1460E2A" ma:contentTypeVersion="1" ma:contentTypeDescription="Create a new document." ma:contentTypeScope="" ma:versionID="fb382fe2362acd2155f454904f478e4d">
   <xsd:schema xmlns:xsd="http://www.w3.org/2001/XMLSchema" xmlns:xs="http://www.w3.org/2001/XMLSchema" xmlns:p="http://schemas.microsoft.com/office/2006/metadata/properties" xmlns:ns3="636b0322-90fb-440c-9cbc-22749e7231e9" targetNamespace="http://schemas.microsoft.com/office/2006/metadata/properties" ma:root="true" ma:fieldsID="b9887c63ce4710c1aeb75a5f03aecb69" ns3:_="">
     <xsd:import namespace="636b0322-90fb-440c-9cbc-22749e7231e9"/>
@@ -12608,31 +12110,22 @@
 </ct:contentTypeSchema>
 </file>
 
-<file path=customXml/itemProps1.xml><?xml version="1.0" encoding="utf-8"?>
-<ds:datastoreItem xmlns:ds="http://schemas.openxmlformats.org/officeDocument/2006/customXml" ds:itemID="{7025FDD9-4C58-4084-9F89-0E6ADD6FFF55}">
-  <ds:schemaRefs>
-    <ds:schemaRef ds:uri="http://purl.org/dc/elements/1.1/"/>
-    <ds:schemaRef ds:uri="http://schemas.microsoft.com/office/2006/metadata/properties"/>
-    <ds:schemaRef ds:uri="http://schemas.microsoft.com/office/2006/documentManagement/types"/>
-    <ds:schemaRef ds:uri="636b0322-90fb-440c-9cbc-22749e7231e9"/>
-    <ds:schemaRef ds:uri="http://purl.org/dc/terms/"/>
-    <ds:schemaRef ds:uri="http://schemas.openxmlformats.org/package/2006/metadata/core-properties"/>
-    <ds:schemaRef ds:uri="http://purl.org/dc/dcmitype/"/>
-    <ds:schemaRef ds:uri="http://schemas.microsoft.com/office/infopath/2007/PartnerControls"/>
-    <ds:schemaRef ds:uri="http://www.w3.org/XML/1998/namespace"/>
-  </ds:schemaRefs>
-</ds:datastoreItem>
+<file path=customXml/item2.xml><?xml version="1.0" encoding="utf-8"?>
+<?mso-contentType ?>
+<FormTemplates xmlns="http://schemas.microsoft.com/sharepoint/v3/contenttype/forms">
+  <Display>DocumentLibraryForm</Display>
+  <Edit>DocumentLibraryForm</Edit>
+  <New>DocumentLibraryForm</New>
+</FormTemplates>
 </file>
 
-<file path=customXml/itemProps2.xml><?xml version="1.0" encoding="utf-8"?>
-<ds:datastoreItem xmlns:ds="http://schemas.openxmlformats.org/officeDocument/2006/customXml" ds:itemID="{B0CA13EC-1D3C-4D6F-8D1C-E8A452CFC79A}">
-  <ds:schemaRefs>
-    <ds:schemaRef ds:uri="http://schemas.microsoft.com/sharepoint/v3/contenttype/forms"/>
-  </ds:schemaRefs>
-</ds:datastoreItem>
+<file path=customXml/item3.xml><?xml version="1.0" encoding="utf-8"?>
+<p:properties xmlns:p="http://schemas.microsoft.com/office/2006/metadata/properties" xmlns:xsi="http://www.w3.org/2001/XMLSchema-instance" xmlns:pc="http://schemas.microsoft.com/office/infopath/2007/PartnerControls">
+  <documentManagement/>
+</p:properties>
 </file>
 
-<file path=customXml/itemProps3.xml><?xml version="1.0" encoding="utf-8"?>
+<file path=customXml/itemProps1.xml><?xml version="1.0" encoding="utf-8"?>
 <ds:datastoreItem xmlns:ds="http://schemas.openxmlformats.org/officeDocument/2006/customXml" ds:itemID="{1655678F-A693-444F-B186-FDCC260796BA}">
   <ds:schemaRefs>
     <ds:schemaRef ds:uri="http://schemas.microsoft.com/office/2006/metadata/contentType"/>
@@ -12648,4 +12141,28 @@
     <ds:schemaRef ds:uri="http://schemas.microsoft.com/internal/obd"/>
   </ds:schemaRefs>
 </ds:datastoreItem>
+</file>
+
+<file path=customXml/itemProps2.xml><?xml version="1.0" encoding="utf-8"?>
+<ds:datastoreItem xmlns:ds="http://schemas.openxmlformats.org/officeDocument/2006/customXml" ds:itemID="{B0CA13EC-1D3C-4D6F-8D1C-E8A452CFC79A}">
+  <ds:schemaRefs>
+    <ds:schemaRef ds:uri="http://schemas.microsoft.com/sharepoint/v3/contenttype/forms"/>
+  </ds:schemaRefs>
+</ds:datastoreItem>
+</file>
+
+<file path=customXml/itemProps3.xml><?xml version="1.0" encoding="utf-8"?>
+<ds:datastoreItem xmlns:ds="http://schemas.openxmlformats.org/officeDocument/2006/customXml" ds:itemID="{7025FDD9-4C58-4084-9F89-0E6ADD6FFF55}">
+  <ds:schemaRefs>
+    <ds:schemaRef ds:uri="http://purl.org/dc/elements/1.1/"/>
+    <ds:schemaRef ds:uri="http://schemas.microsoft.com/office/2006/metadata/properties"/>
+    <ds:schemaRef ds:uri="http://schemas.microsoft.com/office/2006/documentManagement/types"/>
+    <ds:schemaRef ds:uri="636b0322-90fb-440c-9cbc-22749e7231e9"/>
+    <ds:schemaRef ds:uri="http://purl.org/dc/terms/"/>
+    <ds:schemaRef ds:uri="http://schemas.openxmlformats.org/package/2006/metadata/core-properties"/>
+    <ds:schemaRef ds:uri="http://purl.org/dc/dcmitype/"/>
+    <ds:schemaRef ds:uri="http://schemas.microsoft.com/office/infopath/2007/PartnerControls"/>
+    <ds:schemaRef ds:uri="http://www.w3.org/XML/1998/namespace"/>
+  </ds:schemaRefs>
+</ds:datastoreItem>
 </file>